--- a/Ubuntu下配置及使用jflex.pptx
+++ b/Ubuntu下配置及使用jflex.pptx
@@ -5,10 +5,10 @@
     <p:sldMasterId id="2147483756" r:id="rId4"/>
   </p:sldMasterIdLst>
   <p:notesMasterIdLst>
-    <p:notesMasterId r:id="rId12"/>
+    <p:notesMasterId r:id="rId13"/>
   </p:notesMasterIdLst>
   <p:handoutMasterIdLst>
-    <p:handoutMasterId r:id="rId13"/>
+    <p:handoutMasterId r:id="rId14"/>
   </p:handoutMasterIdLst>
   <p:sldIdLst>
     <p:sldId id="267" r:id="rId5"/>
@@ -18,6 +18,7 @@
     <p:sldId id="281" r:id="rId9"/>
     <p:sldId id="282" r:id="rId10"/>
     <p:sldId id="283" r:id="rId11"/>
+    <p:sldId id="284" r:id="rId12"/>
   </p:sldIdLst>
   <p:sldSz cx="12188825" cy="6858000"/>
   <p:notesSz cx="6858000" cy="9144000"/>
@@ -239,7 +240,7 @@
                 <a:latin typeface="宋体" panose="02010600030101010101" pitchFamily="2" charset="-122"/>
                 <a:ea typeface="宋体" panose="02010600030101010101" pitchFamily="2" charset="-122"/>
               </a:rPr>
-              <a:t>2019/10/8</a:t>
+              <a:t>2019/10/9</a:t>
             </a:fld>
             <a:endParaRPr lang="zh-CN" altLang="en-US" dirty="0">
               <a:latin typeface="宋体" panose="02010600030101010101" pitchFamily="2" charset="-122"/>
@@ -520,7 +521,7 @@
             <a:fld id="{73B7CB6F-C682-42F6-88F1-A55B4E42ED68}" type="datetime1">
               <a:rPr lang="zh-CN" altLang="en-US" smtClean="0"/>
               <a:pPr algn="r"/>
-              <a:t>2019/10/8</a:t>
+              <a:t>2019/10/9</a:t>
             </a:fld>
             <a:endParaRPr lang="zh-CN" altLang="en-US" dirty="0"/>
           </a:p>
@@ -1631,7 +1632,7 @@
             <a:fld id="{5D9CA5AE-FF23-486C-B115-BD6CE43D9BBC}" type="datetime1">
               <a:rPr lang="zh-CN" altLang="en-US" smtClean="0"/>
               <a:pPr algn="r"/>
-              <a:t>2019/10/8</a:t>
+              <a:t>2019/10/9</a:t>
             </a:fld>
             <a:endParaRPr lang="zh-CN" altLang="en-US" dirty="0"/>
           </a:p>
@@ -2262,7 +2263,7 @@
             <a:fld id="{011CAEFE-D848-4099-8EB6-D44B6225D2AB}" type="datetime1">
               <a:rPr lang="zh-CN" altLang="en-US" smtClean="0"/>
               <a:pPr algn="r"/>
-              <a:t>2019/10/8</a:t>
+              <a:t>2019/10/9</a:t>
             </a:fld>
             <a:endParaRPr lang="zh-CN" altLang="en-US" dirty="0"/>
           </a:p>
@@ -2480,7 +2481,7 @@
             <a:fld id="{725A2101-3950-4606-B41E-FDCE757687B1}" type="datetime1">
               <a:rPr lang="zh-CN" altLang="en-US" smtClean="0"/>
               <a:pPr algn="r"/>
-              <a:t>2019/10/8</a:t>
+              <a:t>2019/10/9</a:t>
             </a:fld>
             <a:endParaRPr lang="zh-CN" altLang="en-US" dirty="0"/>
           </a:p>
@@ -2688,7 +2689,7 @@
             <a:fld id="{136EEF00-7852-492B-9F7C-A93F9C94E0E3}" type="datetime1">
               <a:rPr lang="zh-CN" altLang="en-US" smtClean="0"/>
               <a:pPr algn="r"/>
-              <a:t>2019/10/8</a:t>
+              <a:t>2019/10/9</a:t>
             </a:fld>
             <a:endParaRPr lang="zh-CN" altLang="en-US" dirty="0"/>
           </a:p>
@@ -2976,7 +2977,7 @@
             <a:fld id="{74F69ACF-5484-4896-9CFC-73CC12BE9744}" type="datetime1">
               <a:rPr lang="zh-CN" altLang="en-US" smtClean="0"/>
               <a:pPr algn="r"/>
-              <a:t>2019/10/8</a:t>
+              <a:t>2019/10/9</a:t>
             </a:fld>
             <a:endParaRPr lang="zh-CN" altLang="en-US" dirty="0"/>
           </a:p>
@@ -3500,7 +3501,7 @@
             <a:fld id="{0A4C5C08-6871-4DC6-A91F-BD1321E6FA12}" type="datetime1">
               <a:rPr lang="zh-CN" altLang="en-US" smtClean="0"/>
               <a:pPr algn="r"/>
-              <a:t>2019/10/8</a:t>
+              <a:t>2019/10/9</a:t>
             </a:fld>
             <a:endParaRPr lang="zh-CN" altLang="en-US" dirty="0"/>
           </a:p>
@@ -3970,7 +3971,7 @@
             <a:fld id="{9BD19F14-F59C-4194-8CEF-5C7191AC63CD}" type="datetime1">
               <a:rPr lang="zh-CN" altLang="en-US" smtClean="0"/>
               <a:pPr algn="r"/>
-              <a:t>2019/10/8</a:t>
+              <a:t>2019/10/9</a:t>
             </a:fld>
             <a:endParaRPr lang="zh-CN" altLang="en-US" dirty="0"/>
           </a:p>
@@ -4110,7 +4111,7 @@
             <a:fld id="{1D11612B-BD45-4382-B8C1-B38B3B777863}" type="datetime1">
               <a:rPr lang="zh-CN" altLang="en-US" smtClean="0"/>
               <a:pPr algn="r"/>
-              <a:t>2019/10/8</a:t>
+              <a:t>2019/10/9</a:t>
             </a:fld>
             <a:endParaRPr lang="zh-CN" altLang="en-US" dirty="0"/>
           </a:p>
@@ -4222,7 +4223,7 @@
             <a:fld id="{E4E2C495-1D31-4F49-8A74-5F5E8C7D7DA9}" type="datetime1">
               <a:rPr lang="zh-CN" altLang="en-US" smtClean="0"/>
               <a:pPr algn="r"/>
-              <a:t>2019/10/8</a:t>
+              <a:t>2019/10/9</a:t>
             </a:fld>
             <a:endParaRPr lang="zh-CN" altLang="en-US" noProof="0" dirty="0"/>
           </a:p>
@@ -4525,7 +4526,7 @@
             <a:fld id="{2ABD3A94-18AE-4B25-AC67-33E855066C34}" type="datetime1">
               <a:rPr lang="zh-CN" altLang="en-US" smtClean="0"/>
               <a:pPr algn="r"/>
-              <a:t>2019/10/8</a:t>
+              <a:t>2019/10/9</a:t>
             </a:fld>
             <a:endParaRPr lang="zh-CN" altLang="en-US" dirty="0"/>
           </a:p>
@@ -4880,7 +4881,7 @@
             <a:fld id="{DDE5DAC6-90F1-49CD-81AF-C936A1088559}" type="datetime1">
               <a:rPr lang="zh-CN" altLang="en-US" smtClean="0"/>
               <a:pPr algn="r"/>
-              <a:t>2019/10/8</a:t>
+              <a:t>2019/10/9</a:t>
             </a:fld>
             <a:endParaRPr lang="zh-CN" altLang="en-US" dirty="0"/>
           </a:p>
@@ -5242,7 +5243,7 @@
             <a:fld id="{E4E2C495-1D31-4F49-8A74-5F5E8C7D7DA9}" type="datetime1">
               <a:rPr lang="zh-CN" altLang="en-US" smtClean="0"/>
               <a:pPr algn="r"/>
-              <a:t>2019/10/8</a:t>
+              <a:t>2019/10/9</a:t>
             </a:fld>
             <a:endParaRPr lang="zh-CN" altLang="en-US" dirty="0"/>
           </a:p>
@@ -8069,6 +8070,112 @@
     <p:extLst>
       <p:ext uri="{BB962C8B-B14F-4D97-AF65-F5344CB8AC3E}">
         <p14:creationId xmlns:p14="http://schemas.microsoft.com/office/powerpoint/2010/main" val="2057632167"/>
+      </p:ext>
+    </p:extLst>
+  </p:cSld>
+  <p:clrMapOvr>
+    <a:masterClrMapping/>
+  </p:clrMapOvr>
+  <mc:AlternateContent xmlns:mc="http://schemas.openxmlformats.org/markup-compatibility/2006" xmlns:p14="http://schemas.microsoft.com/office/powerpoint/2010/main">
+    <mc:Choice Requires="p14">
+      <p:transition spd="med" p14:dur="700">
+        <p:fade/>
+      </p:transition>
+    </mc:Choice>
+    <mc:Fallback xmlns="">
+      <p:transition spd="med">
+        <p:fade/>
+      </p:transition>
+    </mc:Fallback>
+  </mc:AlternateContent>
+</p:sld>
+</file>
+
+<file path=ppt/slides/slide8.xml><?xml version="1.0" encoding="utf-8"?>
+<p:sld xmlns:a="http://schemas.openxmlformats.org/drawingml/2006/main" xmlns:r="http://schemas.openxmlformats.org/officeDocument/2006/relationships" xmlns:p="http://schemas.openxmlformats.org/presentationml/2006/main">
+  <p:cSld>
+    <p:spTree>
+      <p:nvGrpSpPr>
+        <p:cNvPr id="1" name=""/>
+        <p:cNvGrpSpPr/>
+        <p:nvPr/>
+      </p:nvGrpSpPr>
+      <p:grpSpPr>
+        <a:xfrm>
+          <a:off x="0" y="0"/>
+          <a:ext cx="0" cy="0"/>
+          <a:chOff x="0" y="0"/>
+          <a:chExt cx="0" cy="0"/>
+        </a:xfrm>
+      </p:grpSpPr>
+      <p:sp>
+        <p:nvSpPr>
+          <p:cNvPr id="4" name="标题 3">
+            <a:extLst>
+              <a:ext uri="{FF2B5EF4-FFF2-40B4-BE49-F238E27FC236}">
+                <a16:creationId xmlns:a16="http://schemas.microsoft.com/office/drawing/2014/main" id="{2D9DB94B-EE00-4CDE-BDEE-973BC8D85A08}"/>
+              </a:ext>
+            </a:extLst>
+          </p:cNvPr>
+          <p:cNvSpPr>
+            <a:spLocks noGrp="1"/>
+          </p:cNvSpPr>
+          <p:nvPr>
+            <p:ph type="ctrTitle"/>
+          </p:nvPr>
+        </p:nvSpPr>
+        <p:spPr/>
+        <p:txBody>
+          <a:bodyPr/>
+          <a:lstStyle/>
+          <a:p>
+            <a:r>
+              <a:rPr lang="en-US" altLang="zh-CN" dirty="0"/>
+              <a:t>THANKS</a:t>
+            </a:r>
+            <a:endParaRPr lang="zh-CN" altLang="en-US" dirty="0"/>
+          </a:p>
+        </p:txBody>
+      </p:sp>
+      <p:sp>
+        <p:nvSpPr>
+          <p:cNvPr id="5" name="副标题 4">
+            <a:extLst>
+              <a:ext uri="{FF2B5EF4-FFF2-40B4-BE49-F238E27FC236}">
+                <a16:creationId xmlns:a16="http://schemas.microsoft.com/office/drawing/2014/main" id="{A5035235-CEF6-451E-BC47-476B279BC62B}"/>
+              </a:ext>
+            </a:extLst>
+          </p:cNvPr>
+          <p:cNvSpPr>
+            <a:spLocks noGrp="1"/>
+          </p:cNvSpPr>
+          <p:nvPr>
+            <p:ph type="subTitle" idx="1"/>
+          </p:nvPr>
+        </p:nvSpPr>
+        <p:spPr/>
+        <p:txBody>
+          <a:bodyPr/>
+          <a:lstStyle/>
+          <a:p>
+            <a:r>
+              <a:rPr lang="zh-CN" altLang="en-US" dirty="0"/>
+              <a:t>资源链接为：</a:t>
+            </a:r>
+            <a:r>
+              <a:rPr lang="en-US" altLang="zh-CN" cap="none" dirty="0">
+                <a:hlinkClick r:id="rId2"/>
+              </a:rPr>
+              <a:t>https://github.com/fhlxc/ubuntu-jflex.git</a:t>
+            </a:r>
+            <a:endParaRPr lang="zh-CN" altLang="en-US" cap="none" dirty="0"/>
+          </a:p>
+        </p:txBody>
+      </p:sp>
+    </p:spTree>
+    <p:extLst>
+      <p:ext uri="{BB962C8B-B14F-4D97-AF65-F5344CB8AC3E}">
+        <p14:creationId xmlns:p14="http://schemas.microsoft.com/office/powerpoint/2010/main" val="2137386926"/>
       </p:ext>
     </p:extLst>
   </p:cSld>
@@ -8861,6 +8968,141 @@
 </file>
 
 <file path=customXml/item1.xml><?xml version="1.0" encoding="utf-8"?>
+<p:properties xmlns:p="http://schemas.microsoft.com/office/2006/metadata/properties" xmlns:xsi="http://www.w3.org/2001/XMLSchema-instance" xmlns:pc="http://schemas.microsoft.com/office/infopath/2007/PartnerControls">
+  <documentManagement>
+    <DirectSourceMarket xmlns="4873beb7-5857-4685-be1f-d57550cc96cc" xsi:nil="true"/>
+    <ApprovalStatus xmlns="4873beb7-5857-4685-be1f-d57550cc96cc">InProgress</ApprovalStatus>
+    <MarketSpecific xmlns="4873beb7-5857-4685-be1f-d57550cc96cc">false</MarketSpecific>
+    <LocComments xmlns="4873beb7-5857-4685-be1f-d57550cc96cc" xsi:nil="true"/>
+    <ThumbnailAssetId xmlns="4873beb7-5857-4685-be1f-d57550cc96cc" xsi:nil="true"/>
+    <PrimaryImageGen xmlns="4873beb7-5857-4685-be1f-d57550cc96cc">false</PrimaryImageGen>
+    <LegacyData xmlns="4873beb7-5857-4685-be1f-d57550cc96cc" xsi:nil="true"/>
+    <LocRecommendedHandoff xmlns="4873beb7-5857-4685-be1f-d57550cc96cc" xsi:nil="true"/>
+    <BusinessGroup xmlns="4873beb7-5857-4685-be1f-d57550cc96cc" xsi:nil="true"/>
+    <BlockPublish xmlns="4873beb7-5857-4685-be1f-d57550cc96cc">false</BlockPublish>
+    <TPFriendlyName xmlns="4873beb7-5857-4685-be1f-d57550cc96cc" xsi:nil="true"/>
+    <NumericId xmlns="4873beb7-5857-4685-be1f-d57550cc96cc" xsi:nil="true"/>
+    <APEditor xmlns="4873beb7-5857-4685-be1f-d57550cc96cc">
+      <UserInfo>
+        <DisplayName/>
+        <AccountId xsi:nil="true"/>
+        <AccountType/>
+      </UserInfo>
+    </APEditor>
+    <SourceTitle xmlns="4873beb7-5857-4685-be1f-d57550cc96cc" xsi:nil="true"/>
+    <OpenTemplate xmlns="4873beb7-5857-4685-be1f-d57550cc96cc">true</OpenTemplate>
+    <UALocComments xmlns="4873beb7-5857-4685-be1f-d57550cc96cc" xsi:nil="true"/>
+    <ParentAssetId xmlns="4873beb7-5857-4685-be1f-d57550cc96cc" xsi:nil="true"/>
+    <IntlLangReviewDate xmlns="4873beb7-5857-4685-be1f-d57550cc96cc" xsi:nil="true"/>
+    <FeatureTagsTaxHTField0 xmlns="4873beb7-5857-4685-be1f-d57550cc96cc">
+      <Terms xmlns="http://schemas.microsoft.com/office/infopath/2007/PartnerControls"/>
+    </FeatureTagsTaxHTField0>
+    <PublishStatusLookup xmlns="4873beb7-5857-4685-be1f-d57550cc96cc">
+      <Value>1360476</Value>
+    </PublishStatusLookup>
+    <Providers xmlns="4873beb7-5857-4685-be1f-d57550cc96cc" xsi:nil="true"/>
+    <MachineTranslated xmlns="4873beb7-5857-4685-be1f-d57550cc96cc">false</MachineTranslated>
+    <OriginalSourceMarket xmlns="4873beb7-5857-4685-be1f-d57550cc96cc" xsi:nil="true"/>
+    <APDescription xmlns="4873beb7-5857-4685-be1f-d57550cc96cc" xsi:nil="true"/>
+    <ClipArtFilename xmlns="4873beb7-5857-4685-be1f-d57550cc96cc" xsi:nil="true"/>
+    <ContentItem xmlns="4873beb7-5857-4685-be1f-d57550cc96cc" xsi:nil="true"/>
+    <TPInstallLocation xmlns="4873beb7-5857-4685-be1f-d57550cc96cc" xsi:nil="true"/>
+    <PublishTargets xmlns="4873beb7-5857-4685-be1f-d57550cc96cc">OfficeOnlineVNext</PublishTargets>
+    <TimesCloned xmlns="4873beb7-5857-4685-be1f-d57550cc96cc" xsi:nil="true"/>
+    <AssetStart xmlns="4873beb7-5857-4685-be1f-d57550cc96cc">2011-12-12T13:37:00+00:00</AssetStart>
+    <Provider xmlns="4873beb7-5857-4685-be1f-d57550cc96cc" xsi:nil="true"/>
+    <AcquiredFrom xmlns="4873beb7-5857-4685-be1f-d57550cc96cc">Internal MS</AcquiredFrom>
+    <FriendlyTitle xmlns="4873beb7-5857-4685-be1f-d57550cc96cc" xsi:nil="true"/>
+    <LastHandOff xmlns="4873beb7-5857-4685-be1f-d57550cc96cc" xsi:nil="true"/>
+    <TPClientViewer xmlns="4873beb7-5857-4685-be1f-d57550cc96cc" xsi:nil="true"/>
+    <UACurrentWords xmlns="4873beb7-5857-4685-be1f-d57550cc96cc" xsi:nil="true"/>
+    <ArtSampleDocs xmlns="4873beb7-5857-4685-be1f-d57550cc96cc" xsi:nil="true"/>
+    <UALocRecommendation xmlns="4873beb7-5857-4685-be1f-d57550cc96cc">Localize</UALocRecommendation>
+    <Manager xmlns="4873beb7-5857-4685-be1f-d57550cc96cc" xsi:nil="true"/>
+    <ShowIn xmlns="4873beb7-5857-4685-be1f-d57550cc96cc">Show everywhere</ShowIn>
+    <UANotes xmlns="4873beb7-5857-4685-be1f-d57550cc96cc" xsi:nil="true"/>
+    <TemplateStatus xmlns="4873beb7-5857-4685-be1f-d57550cc96cc">Complete</TemplateStatus>
+    <InternalTagsTaxHTField0 xmlns="4873beb7-5857-4685-be1f-d57550cc96cc">
+      <Terms xmlns="http://schemas.microsoft.com/office/infopath/2007/PartnerControls"/>
+    </InternalTagsTaxHTField0>
+    <CSXHash xmlns="4873beb7-5857-4685-be1f-d57550cc96cc" xsi:nil="true"/>
+    <Downloads xmlns="4873beb7-5857-4685-be1f-d57550cc96cc">0</Downloads>
+    <VoteCount xmlns="4873beb7-5857-4685-be1f-d57550cc96cc" xsi:nil="true"/>
+    <OOCacheId xmlns="4873beb7-5857-4685-be1f-d57550cc96cc" xsi:nil="true"/>
+    <IsDeleted xmlns="4873beb7-5857-4685-be1f-d57550cc96cc">false</IsDeleted>
+    <AssetExpire xmlns="4873beb7-5857-4685-be1f-d57550cc96cc">2035-01-01T08:00:00+00:00</AssetExpire>
+    <DSATActionTaken xmlns="4873beb7-5857-4685-be1f-d57550cc96cc" xsi:nil="true"/>
+    <CSXSubmissionMarket xmlns="4873beb7-5857-4685-be1f-d57550cc96cc" xsi:nil="true"/>
+    <TPExecutable xmlns="4873beb7-5857-4685-be1f-d57550cc96cc" xsi:nil="true"/>
+    <SubmitterId xmlns="4873beb7-5857-4685-be1f-d57550cc96cc" xsi:nil="true"/>
+    <EditorialTags xmlns="4873beb7-5857-4685-be1f-d57550cc96cc" xsi:nil="true"/>
+    <ApprovalLog xmlns="4873beb7-5857-4685-be1f-d57550cc96cc" xsi:nil="true"/>
+    <AssetType xmlns="4873beb7-5857-4685-be1f-d57550cc96cc">TP</AssetType>
+    <BugNumber xmlns="4873beb7-5857-4685-be1f-d57550cc96cc" xsi:nil="true"/>
+    <CSXSubmissionDate xmlns="4873beb7-5857-4685-be1f-d57550cc96cc" xsi:nil="true"/>
+    <CSXUpdate xmlns="4873beb7-5857-4685-be1f-d57550cc96cc">false</CSXUpdate>
+    <Milestone xmlns="4873beb7-5857-4685-be1f-d57550cc96cc" xsi:nil="true"/>
+    <RecommendationsModifier xmlns="4873beb7-5857-4685-be1f-d57550cc96cc" xsi:nil="true"/>
+    <OriginAsset xmlns="4873beb7-5857-4685-be1f-d57550cc96cc" xsi:nil="true"/>
+    <TPComponent xmlns="4873beb7-5857-4685-be1f-d57550cc96cc" xsi:nil="true"/>
+    <AssetId xmlns="4873beb7-5857-4685-be1f-d57550cc96cc">TP102801058</AssetId>
+    <IntlLocPriority xmlns="4873beb7-5857-4685-be1f-d57550cc96cc" xsi:nil="true"/>
+    <PolicheckWords xmlns="4873beb7-5857-4685-be1f-d57550cc96cc" xsi:nil="true"/>
+    <TPLaunchHelpLink xmlns="4873beb7-5857-4685-be1f-d57550cc96cc" xsi:nil="true"/>
+    <TPApplication xmlns="4873beb7-5857-4685-be1f-d57550cc96cc" xsi:nil="true"/>
+    <CrawlForDependencies xmlns="4873beb7-5857-4685-be1f-d57550cc96cc">false</CrawlForDependencies>
+    <HandoffToMSDN xmlns="4873beb7-5857-4685-be1f-d57550cc96cc" xsi:nil="true"/>
+    <PlannedPubDate xmlns="4873beb7-5857-4685-be1f-d57550cc96cc" xsi:nil="true"/>
+    <IntlLangReviewer xmlns="4873beb7-5857-4685-be1f-d57550cc96cc" xsi:nil="true"/>
+    <TrustLevel xmlns="4873beb7-5857-4685-be1f-d57550cc96cc">1 Microsoft Managed Content</TrustLevel>
+    <LocLastLocAttemptVersionLookup xmlns="4873beb7-5857-4685-be1f-d57550cc96cc">706496</LocLastLocAttemptVersionLookup>
+    <IsSearchable xmlns="4873beb7-5857-4685-be1f-d57550cc96cc">true</IsSearchable>
+    <TemplateTemplateType xmlns="4873beb7-5857-4685-be1f-d57550cc96cc">PowerPoint Presentation Template</TemplateTemplateType>
+    <CampaignTagsTaxHTField0 xmlns="4873beb7-5857-4685-be1f-d57550cc96cc">
+      <Terms xmlns="http://schemas.microsoft.com/office/infopath/2007/PartnerControls"/>
+    </CampaignTagsTaxHTField0>
+    <TPNamespace xmlns="4873beb7-5857-4685-be1f-d57550cc96cc" xsi:nil="true"/>
+    <TaxCatchAll xmlns="4873beb7-5857-4685-be1f-d57550cc96cc"/>
+    <Markets xmlns="4873beb7-5857-4685-be1f-d57550cc96cc"/>
+    <UAProjectedTotalWords xmlns="4873beb7-5857-4685-be1f-d57550cc96cc" xsi:nil="true"/>
+    <IntlLangReview xmlns="4873beb7-5857-4685-be1f-d57550cc96cc">false</IntlLangReview>
+    <OutputCachingOn xmlns="4873beb7-5857-4685-be1f-d57550cc96cc">false</OutputCachingOn>
+    <AverageRating xmlns="4873beb7-5857-4685-be1f-d57550cc96cc" xsi:nil="true"/>
+    <APAuthor xmlns="4873beb7-5857-4685-be1f-d57550cc96cc">
+      <UserInfo>
+        <DisplayName>REDMOND\v-soujap</DisplayName>
+        <AccountId>1954</AccountId>
+        <AccountType/>
+      </UserInfo>
+    </APAuthor>
+    <LocManualTestRequired xmlns="4873beb7-5857-4685-be1f-d57550cc96cc">false</LocManualTestRequired>
+    <TPCommandLine xmlns="4873beb7-5857-4685-be1f-d57550cc96cc" xsi:nil="true"/>
+    <TPAppVersion xmlns="4873beb7-5857-4685-be1f-d57550cc96cc" xsi:nil="true"/>
+    <EditorialStatus xmlns="4873beb7-5857-4685-be1f-d57550cc96cc">Complete</EditorialStatus>
+    <LastModifiedDateTime xmlns="4873beb7-5857-4685-be1f-d57550cc96cc" xsi:nil="true"/>
+    <ScenarioTagsTaxHTField0 xmlns="4873beb7-5857-4685-be1f-d57550cc96cc">
+      <Terms xmlns="http://schemas.microsoft.com/office/infopath/2007/PartnerControls"/>
+    </ScenarioTagsTaxHTField0>
+    <OriginalRelease xmlns="4873beb7-5857-4685-be1f-d57550cc96cc">14</OriginalRelease>
+    <TPLaunchHelpLinkType xmlns="4873beb7-5857-4685-be1f-d57550cc96cc">Template</TPLaunchHelpLinkType>
+    <LocalizationTagsTaxHTField0 xmlns="4873beb7-5857-4685-be1f-d57550cc96cc">
+      <Terms xmlns="http://schemas.microsoft.com/office/infopath/2007/PartnerControls"/>
+    </LocalizationTagsTaxHTField0>
+    <LocMarketGroupTiers2 xmlns="4873beb7-5857-4685-be1f-d57550cc96cc" xsi:nil="true"/>
+  </documentManagement>
+</p:properties>
+</file>
+
+<file path=customXml/item2.xml><?xml version="1.0" encoding="utf-8"?>
+<?mso-contentType ?>
+<FormTemplates xmlns="http://schemas.microsoft.com/sharepoint/v3/contenttype/forms">
+  <Display>DocumentLibraryForm</Display>
+  <Edit>AssetEditForm</Edit>
+  <New>DocumentLibraryForm</New>
+</FormTemplates>
+</file>
+
+<file path=customXml/item3.xml><?xml version="1.0" encoding="utf-8"?>
 <ct:contentTypeSchema xmlns:ct="http://schemas.microsoft.com/office/2006/metadata/contentType" xmlns:ma="http://schemas.microsoft.com/office/2006/metadata/properties/metaAttributes" ct:_="" ma:_="" ma:contentTypeName="TemplateFile" ma:contentTypeID="0x0101006EDDDB5EE6D98C44930B742096920B300400F5B6D36B3EF94B4E9A635CDF2A18F5B8" ma:contentTypeVersion="72" ma:contentTypeDescription="Create a new document." ma:contentTypeScope="" ma:versionID="a23e56308344d904b51738559c3d67c9">
   <xsd:schema xmlns:xsd="http://www.w3.org/2001/XMLSchema" xmlns:xs="http://www.w3.org/2001/XMLSchema" xmlns:p="http://schemas.microsoft.com/office/2006/metadata/properties" xmlns:ns2="4873beb7-5857-4685-be1f-d57550cc96cc" targetNamespace="http://schemas.microsoft.com/office/2006/metadata/properties" ma:root="true" ma:fieldsID="cd0908cc4600e77bf5da051303e00c8d" ns2:_="">
     <xsd:import namespace="4873beb7-5857-4685-be1f-d57550cc96cc"/>
@@ -9900,142 +10142,31 @@
 </ct:contentTypeSchema>
 </file>
 
-<file path=customXml/item2.xml><?xml version="1.0" encoding="utf-8"?>
-<?mso-contentType ?>
-<FormTemplates xmlns="http://schemas.microsoft.com/sharepoint/v3/contenttype/forms">
-  <Display>DocumentLibraryForm</Display>
-  <Edit>AssetEditForm</Edit>
-  <New>DocumentLibraryForm</New>
-</FormTemplates>
+<file path=customXml/itemProps1.xml><?xml version="1.0" encoding="utf-8"?>
+<ds:datastoreItem xmlns:ds="http://schemas.openxmlformats.org/officeDocument/2006/customXml" ds:itemID="{4ED80E12-3BE9-4746-820E-FFB249F467F2}">
+  <ds:schemaRefs>
+    <ds:schemaRef ds:uri="http://schemas.microsoft.com/office/2006/documentManagement/types"/>
+    <ds:schemaRef ds:uri="http://purl.org/dc/elements/1.1/"/>
+    <ds:schemaRef ds:uri="http://schemas.microsoft.com/office/2006/metadata/properties"/>
+    <ds:schemaRef ds:uri="4873beb7-5857-4685-be1f-d57550cc96cc"/>
+    <ds:schemaRef ds:uri="http://schemas.openxmlformats.org/package/2006/metadata/core-properties"/>
+    <ds:schemaRef ds:uri="http://purl.org/dc/terms/"/>
+    <ds:schemaRef ds:uri="http://schemas.microsoft.com/office/infopath/2007/PartnerControls"/>
+    <ds:schemaRef ds:uri="http://www.w3.org/XML/1998/namespace"/>
+    <ds:schemaRef ds:uri="http://purl.org/dc/dcmitype/"/>
+  </ds:schemaRefs>
+</ds:datastoreItem>
 </file>
 
-<file path=customXml/item3.xml><?xml version="1.0" encoding="utf-8"?>
-<p:properties xmlns:p="http://schemas.microsoft.com/office/2006/metadata/properties" xmlns:xsi="http://www.w3.org/2001/XMLSchema-instance" xmlns:pc="http://schemas.microsoft.com/office/infopath/2007/PartnerControls">
-  <documentManagement>
-    <DirectSourceMarket xmlns="4873beb7-5857-4685-be1f-d57550cc96cc" xsi:nil="true"/>
-    <ApprovalStatus xmlns="4873beb7-5857-4685-be1f-d57550cc96cc">InProgress</ApprovalStatus>
-    <MarketSpecific xmlns="4873beb7-5857-4685-be1f-d57550cc96cc">false</MarketSpecific>
-    <LocComments xmlns="4873beb7-5857-4685-be1f-d57550cc96cc" xsi:nil="true"/>
-    <ThumbnailAssetId xmlns="4873beb7-5857-4685-be1f-d57550cc96cc" xsi:nil="true"/>
-    <PrimaryImageGen xmlns="4873beb7-5857-4685-be1f-d57550cc96cc">false</PrimaryImageGen>
-    <LegacyData xmlns="4873beb7-5857-4685-be1f-d57550cc96cc" xsi:nil="true"/>
-    <LocRecommendedHandoff xmlns="4873beb7-5857-4685-be1f-d57550cc96cc" xsi:nil="true"/>
-    <BusinessGroup xmlns="4873beb7-5857-4685-be1f-d57550cc96cc" xsi:nil="true"/>
-    <BlockPublish xmlns="4873beb7-5857-4685-be1f-d57550cc96cc">false</BlockPublish>
-    <TPFriendlyName xmlns="4873beb7-5857-4685-be1f-d57550cc96cc" xsi:nil="true"/>
-    <NumericId xmlns="4873beb7-5857-4685-be1f-d57550cc96cc" xsi:nil="true"/>
-    <APEditor xmlns="4873beb7-5857-4685-be1f-d57550cc96cc">
-      <UserInfo>
-        <DisplayName/>
-        <AccountId xsi:nil="true"/>
-        <AccountType/>
-      </UserInfo>
-    </APEditor>
-    <SourceTitle xmlns="4873beb7-5857-4685-be1f-d57550cc96cc" xsi:nil="true"/>
-    <OpenTemplate xmlns="4873beb7-5857-4685-be1f-d57550cc96cc">true</OpenTemplate>
-    <UALocComments xmlns="4873beb7-5857-4685-be1f-d57550cc96cc" xsi:nil="true"/>
-    <ParentAssetId xmlns="4873beb7-5857-4685-be1f-d57550cc96cc" xsi:nil="true"/>
-    <IntlLangReviewDate xmlns="4873beb7-5857-4685-be1f-d57550cc96cc" xsi:nil="true"/>
-    <FeatureTagsTaxHTField0 xmlns="4873beb7-5857-4685-be1f-d57550cc96cc">
-      <Terms xmlns="http://schemas.microsoft.com/office/infopath/2007/PartnerControls"/>
-    </FeatureTagsTaxHTField0>
-    <PublishStatusLookup xmlns="4873beb7-5857-4685-be1f-d57550cc96cc">
-      <Value>1360476</Value>
-    </PublishStatusLookup>
-    <Providers xmlns="4873beb7-5857-4685-be1f-d57550cc96cc" xsi:nil="true"/>
-    <MachineTranslated xmlns="4873beb7-5857-4685-be1f-d57550cc96cc">false</MachineTranslated>
-    <OriginalSourceMarket xmlns="4873beb7-5857-4685-be1f-d57550cc96cc" xsi:nil="true"/>
-    <APDescription xmlns="4873beb7-5857-4685-be1f-d57550cc96cc" xsi:nil="true"/>
-    <ClipArtFilename xmlns="4873beb7-5857-4685-be1f-d57550cc96cc" xsi:nil="true"/>
-    <ContentItem xmlns="4873beb7-5857-4685-be1f-d57550cc96cc" xsi:nil="true"/>
-    <TPInstallLocation xmlns="4873beb7-5857-4685-be1f-d57550cc96cc" xsi:nil="true"/>
-    <PublishTargets xmlns="4873beb7-5857-4685-be1f-d57550cc96cc">OfficeOnlineVNext</PublishTargets>
-    <TimesCloned xmlns="4873beb7-5857-4685-be1f-d57550cc96cc" xsi:nil="true"/>
-    <AssetStart xmlns="4873beb7-5857-4685-be1f-d57550cc96cc">2011-12-12T13:37:00+00:00</AssetStart>
-    <Provider xmlns="4873beb7-5857-4685-be1f-d57550cc96cc" xsi:nil="true"/>
-    <AcquiredFrom xmlns="4873beb7-5857-4685-be1f-d57550cc96cc">Internal MS</AcquiredFrom>
-    <FriendlyTitle xmlns="4873beb7-5857-4685-be1f-d57550cc96cc" xsi:nil="true"/>
-    <LastHandOff xmlns="4873beb7-5857-4685-be1f-d57550cc96cc" xsi:nil="true"/>
-    <TPClientViewer xmlns="4873beb7-5857-4685-be1f-d57550cc96cc" xsi:nil="true"/>
-    <UACurrentWords xmlns="4873beb7-5857-4685-be1f-d57550cc96cc" xsi:nil="true"/>
-    <ArtSampleDocs xmlns="4873beb7-5857-4685-be1f-d57550cc96cc" xsi:nil="true"/>
-    <UALocRecommendation xmlns="4873beb7-5857-4685-be1f-d57550cc96cc">Localize</UALocRecommendation>
-    <Manager xmlns="4873beb7-5857-4685-be1f-d57550cc96cc" xsi:nil="true"/>
-    <ShowIn xmlns="4873beb7-5857-4685-be1f-d57550cc96cc">Show everywhere</ShowIn>
-    <UANotes xmlns="4873beb7-5857-4685-be1f-d57550cc96cc" xsi:nil="true"/>
-    <TemplateStatus xmlns="4873beb7-5857-4685-be1f-d57550cc96cc">Complete</TemplateStatus>
-    <InternalTagsTaxHTField0 xmlns="4873beb7-5857-4685-be1f-d57550cc96cc">
-      <Terms xmlns="http://schemas.microsoft.com/office/infopath/2007/PartnerControls"/>
-    </InternalTagsTaxHTField0>
-    <CSXHash xmlns="4873beb7-5857-4685-be1f-d57550cc96cc" xsi:nil="true"/>
-    <Downloads xmlns="4873beb7-5857-4685-be1f-d57550cc96cc">0</Downloads>
-    <VoteCount xmlns="4873beb7-5857-4685-be1f-d57550cc96cc" xsi:nil="true"/>
-    <OOCacheId xmlns="4873beb7-5857-4685-be1f-d57550cc96cc" xsi:nil="true"/>
-    <IsDeleted xmlns="4873beb7-5857-4685-be1f-d57550cc96cc">false</IsDeleted>
-    <AssetExpire xmlns="4873beb7-5857-4685-be1f-d57550cc96cc">2035-01-01T08:00:00+00:00</AssetExpire>
-    <DSATActionTaken xmlns="4873beb7-5857-4685-be1f-d57550cc96cc" xsi:nil="true"/>
-    <CSXSubmissionMarket xmlns="4873beb7-5857-4685-be1f-d57550cc96cc" xsi:nil="true"/>
-    <TPExecutable xmlns="4873beb7-5857-4685-be1f-d57550cc96cc" xsi:nil="true"/>
-    <SubmitterId xmlns="4873beb7-5857-4685-be1f-d57550cc96cc" xsi:nil="true"/>
-    <EditorialTags xmlns="4873beb7-5857-4685-be1f-d57550cc96cc" xsi:nil="true"/>
-    <ApprovalLog xmlns="4873beb7-5857-4685-be1f-d57550cc96cc" xsi:nil="true"/>
-    <AssetType xmlns="4873beb7-5857-4685-be1f-d57550cc96cc">TP</AssetType>
-    <BugNumber xmlns="4873beb7-5857-4685-be1f-d57550cc96cc" xsi:nil="true"/>
-    <CSXSubmissionDate xmlns="4873beb7-5857-4685-be1f-d57550cc96cc" xsi:nil="true"/>
-    <CSXUpdate xmlns="4873beb7-5857-4685-be1f-d57550cc96cc">false</CSXUpdate>
-    <Milestone xmlns="4873beb7-5857-4685-be1f-d57550cc96cc" xsi:nil="true"/>
-    <RecommendationsModifier xmlns="4873beb7-5857-4685-be1f-d57550cc96cc" xsi:nil="true"/>
-    <OriginAsset xmlns="4873beb7-5857-4685-be1f-d57550cc96cc" xsi:nil="true"/>
-    <TPComponent xmlns="4873beb7-5857-4685-be1f-d57550cc96cc" xsi:nil="true"/>
-    <AssetId xmlns="4873beb7-5857-4685-be1f-d57550cc96cc">TP102801058</AssetId>
-    <IntlLocPriority xmlns="4873beb7-5857-4685-be1f-d57550cc96cc" xsi:nil="true"/>
-    <PolicheckWords xmlns="4873beb7-5857-4685-be1f-d57550cc96cc" xsi:nil="true"/>
-    <TPLaunchHelpLink xmlns="4873beb7-5857-4685-be1f-d57550cc96cc" xsi:nil="true"/>
-    <TPApplication xmlns="4873beb7-5857-4685-be1f-d57550cc96cc" xsi:nil="true"/>
-    <CrawlForDependencies xmlns="4873beb7-5857-4685-be1f-d57550cc96cc">false</CrawlForDependencies>
-    <HandoffToMSDN xmlns="4873beb7-5857-4685-be1f-d57550cc96cc" xsi:nil="true"/>
-    <PlannedPubDate xmlns="4873beb7-5857-4685-be1f-d57550cc96cc" xsi:nil="true"/>
-    <IntlLangReviewer xmlns="4873beb7-5857-4685-be1f-d57550cc96cc" xsi:nil="true"/>
-    <TrustLevel xmlns="4873beb7-5857-4685-be1f-d57550cc96cc">1 Microsoft Managed Content</TrustLevel>
-    <LocLastLocAttemptVersionLookup xmlns="4873beb7-5857-4685-be1f-d57550cc96cc">706496</LocLastLocAttemptVersionLookup>
-    <IsSearchable xmlns="4873beb7-5857-4685-be1f-d57550cc96cc">true</IsSearchable>
-    <TemplateTemplateType xmlns="4873beb7-5857-4685-be1f-d57550cc96cc">PowerPoint Presentation Template</TemplateTemplateType>
-    <CampaignTagsTaxHTField0 xmlns="4873beb7-5857-4685-be1f-d57550cc96cc">
-      <Terms xmlns="http://schemas.microsoft.com/office/infopath/2007/PartnerControls"/>
-    </CampaignTagsTaxHTField0>
-    <TPNamespace xmlns="4873beb7-5857-4685-be1f-d57550cc96cc" xsi:nil="true"/>
-    <TaxCatchAll xmlns="4873beb7-5857-4685-be1f-d57550cc96cc"/>
-    <Markets xmlns="4873beb7-5857-4685-be1f-d57550cc96cc"/>
-    <UAProjectedTotalWords xmlns="4873beb7-5857-4685-be1f-d57550cc96cc" xsi:nil="true"/>
-    <IntlLangReview xmlns="4873beb7-5857-4685-be1f-d57550cc96cc">false</IntlLangReview>
-    <OutputCachingOn xmlns="4873beb7-5857-4685-be1f-d57550cc96cc">false</OutputCachingOn>
-    <AverageRating xmlns="4873beb7-5857-4685-be1f-d57550cc96cc" xsi:nil="true"/>
-    <APAuthor xmlns="4873beb7-5857-4685-be1f-d57550cc96cc">
-      <UserInfo>
-        <DisplayName>REDMOND\v-soujap</DisplayName>
-        <AccountId>1954</AccountId>
-        <AccountType/>
-      </UserInfo>
-    </APAuthor>
-    <LocManualTestRequired xmlns="4873beb7-5857-4685-be1f-d57550cc96cc">false</LocManualTestRequired>
-    <TPCommandLine xmlns="4873beb7-5857-4685-be1f-d57550cc96cc" xsi:nil="true"/>
-    <TPAppVersion xmlns="4873beb7-5857-4685-be1f-d57550cc96cc" xsi:nil="true"/>
-    <EditorialStatus xmlns="4873beb7-5857-4685-be1f-d57550cc96cc">Complete</EditorialStatus>
-    <LastModifiedDateTime xmlns="4873beb7-5857-4685-be1f-d57550cc96cc" xsi:nil="true"/>
-    <ScenarioTagsTaxHTField0 xmlns="4873beb7-5857-4685-be1f-d57550cc96cc">
-      <Terms xmlns="http://schemas.microsoft.com/office/infopath/2007/PartnerControls"/>
-    </ScenarioTagsTaxHTField0>
-    <OriginalRelease xmlns="4873beb7-5857-4685-be1f-d57550cc96cc">14</OriginalRelease>
-    <TPLaunchHelpLinkType xmlns="4873beb7-5857-4685-be1f-d57550cc96cc">Template</TPLaunchHelpLinkType>
-    <LocalizationTagsTaxHTField0 xmlns="4873beb7-5857-4685-be1f-d57550cc96cc">
-      <Terms xmlns="http://schemas.microsoft.com/office/infopath/2007/PartnerControls"/>
-    </LocalizationTagsTaxHTField0>
-    <LocMarketGroupTiers2 xmlns="4873beb7-5857-4685-be1f-d57550cc96cc" xsi:nil="true"/>
-  </documentManagement>
-</p:properties>
+<file path=customXml/itemProps2.xml><?xml version="1.0" encoding="utf-8"?>
+<ds:datastoreItem xmlns:ds="http://schemas.openxmlformats.org/officeDocument/2006/customXml" ds:itemID="{8D003AC8-209A-4321-A17C-1B7A20643390}">
+  <ds:schemaRefs>
+    <ds:schemaRef ds:uri="http://schemas.microsoft.com/sharepoint/v3/contenttype/forms"/>
+  </ds:schemaRefs>
+</ds:datastoreItem>
 </file>
 
-<file path=customXml/itemProps1.xml><?xml version="1.0" encoding="utf-8"?>
+<file path=customXml/itemProps3.xml><?xml version="1.0" encoding="utf-8"?>
 <ds:datastoreItem xmlns:ds="http://schemas.openxmlformats.org/officeDocument/2006/customXml" ds:itemID="{83ED4759-CFDD-43F0-817C-11D9197192BA}">
   <ds:schemaRefs>
     <ds:schemaRef ds:uri="http://schemas.microsoft.com/office/2006/metadata/contentType"/>
@@ -10051,28 +10182,4 @@
     <ds:schemaRef ds:uri="http://schemas.microsoft.com/internal/obd"/>
   </ds:schemaRefs>
 </ds:datastoreItem>
-</file>
-
-<file path=customXml/itemProps2.xml><?xml version="1.0" encoding="utf-8"?>
-<ds:datastoreItem xmlns:ds="http://schemas.openxmlformats.org/officeDocument/2006/customXml" ds:itemID="{8D003AC8-209A-4321-A17C-1B7A20643390}">
-  <ds:schemaRefs>
-    <ds:schemaRef ds:uri="http://schemas.microsoft.com/sharepoint/v3/contenttype/forms"/>
-  </ds:schemaRefs>
-</ds:datastoreItem>
-</file>
-
-<file path=customXml/itemProps3.xml><?xml version="1.0" encoding="utf-8"?>
-<ds:datastoreItem xmlns:ds="http://schemas.openxmlformats.org/officeDocument/2006/customXml" ds:itemID="{4ED80E12-3BE9-4746-820E-FFB249F467F2}">
-  <ds:schemaRefs>
-    <ds:schemaRef ds:uri="http://schemas.microsoft.com/office/2006/documentManagement/types"/>
-    <ds:schemaRef ds:uri="http://purl.org/dc/elements/1.1/"/>
-    <ds:schemaRef ds:uri="http://schemas.microsoft.com/office/2006/metadata/properties"/>
-    <ds:schemaRef ds:uri="4873beb7-5857-4685-be1f-d57550cc96cc"/>
-    <ds:schemaRef ds:uri="http://schemas.openxmlformats.org/package/2006/metadata/core-properties"/>
-    <ds:schemaRef ds:uri="http://purl.org/dc/terms/"/>
-    <ds:schemaRef ds:uri="http://schemas.microsoft.com/office/infopath/2007/PartnerControls"/>
-    <ds:schemaRef ds:uri="http://www.w3.org/XML/1998/namespace"/>
-    <ds:schemaRef ds:uri="http://purl.org/dc/dcmitype/"/>
-  </ds:schemaRefs>
-</ds:datastoreItem>
 </file>
--- a/Ubuntu下配置及使用jflex.pptx
+++ b/Ubuntu下配置及使用jflex.pptx
@@ -7989,7 +7989,6 @@
               <a:rPr lang="zh-CN" altLang="en-US" dirty="0">
                 <a:latin typeface="Salesforce Sans"/>
                 <a:sym typeface="Salesforce Sans"/>
-                <a:hlinkClick r:id="rId3"/>
               </a:rPr>
               <a:t>示例</a:t>
             </a:r>
@@ -8008,6 +8007,31 @@
                 <a:sym typeface="Salesforce Sans"/>
               </a:rPr>
               <a:t>详见：</a:t>
+            </a:r>
+            <a:endParaRPr lang="en-US" altLang="zh-CN" dirty="0">
+              <a:latin typeface="Salesforce Sans"/>
+              <a:sym typeface="Salesforce Sans"/>
+            </a:endParaRPr>
+          </a:p>
+          <a:p>
+            <a:pPr marL="0" indent="0">
+              <a:buNone/>
+            </a:pPr>
+            <a:r>
+              <a:rPr lang="zh-CN" altLang="en-US" dirty="0">
+                <a:latin typeface="Salesforce Sans"/>
+                <a:sym typeface="Salesforce Sans"/>
+                <a:hlinkClick r:id="rId3"/>
+              </a:rPr>
+              <a:t>链接</a:t>
+            </a:r>
+            <a:r>
+              <a:rPr lang="en-US" altLang="zh-CN" dirty="0">
+                <a:latin typeface="Salesforce Sans"/>
+                <a:sym typeface="Salesforce Sans"/>
+                <a:hlinkClick r:id="rId3"/>
+              </a:rPr>
+              <a:t>1</a:t>
             </a:r>
             <a:endParaRPr lang="en-US" altLang="zh-CN" dirty="0">
               <a:latin typeface="Salesforce Sans"/>
@@ -8031,31 +8055,6 @@
                 <a:latin typeface="Salesforce Sans"/>
                 <a:sym typeface="Salesforce Sans"/>
                 <a:hlinkClick r:id="rId4"/>
-              </a:rPr>
-              <a:t>1</a:t>
-            </a:r>
-            <a:endParaRPr lang="en-US" altLang="zh-CN" dirty="0">
-              <a:latin typeface="Salesforce Sans"/>
-              <a:sym typeface="Salesforce Sans"/>
-            </a:endParaRPr>
-          </a:p>
-          <a:p>
-            <a:pPr marL="0" indent="0">
-              <a:buNone/>
-            </a:pPr>
-            <a:r>
-              <a:rPr lang="zh-CN" altLang="en-US" dirty="0">
-                <a:latin typeface="Salesforce Sans"/>
-                <a:sym typeface="Salesforce Sans"/>
-                <a:hlinkClick r:id="rId5"/>
-              </a:rPr>
-              <a:t>链接</a:t>
-            </a:r>
-            <a:r>
-              <a:rPr lang="en-US" altLang="zh-CN" dirty="0">
-                <a:latin typeface="Salesforce Sans"/>
-                <a:sym typeface="Salesforce Sans"/>
-                <a:hlinkClick r:id="rId5"/>
               </a:rPr>
               <a:t>2</a:t>
             </a:r>
@@ -8968,141 +8967,6 @@
 </file>
 
 <file path=customXml/item1.xml><?xml version="1.0" encoding="utf-8"?>
-<p:properties xmlns:p="http://schemas.microsoft.com/office/2006/metadata/properties" xmlns:xsi="http://www.w3.org/2001/XMLSchema-instance" xmlns:pc="http://schemas.microsoft.com/office/infopath/2007/PartnerControls">
-  <documentManagement>
-    <DirectSourceMarket xmlns="4873beb7-5857-4685-be1f-d57550cc96cc" xsi:nil="true"/>
-    <ApprovalStatus xmlns="4873beb7-5857-4685-be1f-d57550cc96cc">InProgress</ApprovalStatus>
-    <MarketSpecific xmlns="4873beb7-5857-4685-be1f-d57550cc96cc">false</MarketSpecific>
-    <LocComments xmlns="4873beb7-5857-4685-be1f-d57550cc96cc" xsi:nil="true"/>
-    <ThumbnailAssetId xmlns="4873beb7-5857-4685-be1f-d57550cc96cc" xsi:nil="true"/>
-    <PrimaryImageGen xmlns="4873beb7-5857-4685-be1f-d57550cc96cc">false</PrimaryImageGen>
-    <LegacyData xmlns="4873beb7-5857-4685-be1f-d57550cc96cc" xsi:nil="true"/>
-    <LocRecommendedHandoff xmlns="4873beb7-5857-4685-be1f-d57550cc96cc" xsi:nil="true"/>
-    <BusinessGroup xmlns="4873beb7-5857-4685-be1f-d57550cc96cc" xsi:nil="true"/>
-    <BlockPublish xmlns="4873beb7-5857-4685-be1f-d57550cc96cc">false</BlockPublish>
-    <TPFriendlyName xmlns="4873beb7-5857-4685-be1f-d57550cc96cc" xsi:nil="true"/>
-    <NumericId xmlns="4873beb7-5857-4685-be1f-d57550cc96cc" xsi:nil="true"/>
-    <APEditor xmlns="4873beb7-5857-4685-be1f-d57550cc96cc">
-      <UserInfo>
-        <DisplayName/>
-        <AccountId xsi:nil="true"/>
-        <AccountType/>
-      </UserInfo>
-    </APEditor>
-    <SourceTitle xmlns="4873beb7-5857-4685-be1f-d57550cc96cc" xsi:nil="true"/>
-    <OpenTemplate xmlns="4873beb7-5857-4685-be1f-d57550cc96cc">true</OpenTemplate>
-    <UALocComments xmlns="4873beb7-5857-4685-be1f-d57550cc96cc" xsi:nil="true"/>
-    <ParentAssetId xmlns="4873beb7-5857-4685-be1f-d57550cc96cc" xsi:nil="true"/>
-    <IntlLangReviewDate xmlns="4873beb7-5857-4685-be1f-d57550cc96cc" xsi:nil="true"/>
-    <FeatureTagsTaxHTField0 xmlns="4873beb7-5857-4685-be1f-d57550cc96cc">
-      <Terms xmlns="http://schemas.microsoft.com/office/infopath/2007/PartnerControls"/>
-    </FeatureTagsTaxHTField0>
-    <PublishStatusLookup xmlns="4873beb7-5857-4685-be1f-d57550cc96cc">
-      <Value>1360476</Value>
-    </PublishStatusLookup>
-    <Providers xmlns="4873beb7-5857-4685-be1f-d57550cc96cc" xsi:nil="true"/>
-    <MachineTranslated xmlns="4873beb7-5857-4685-be1f-d57550cc96cc">false</MachineTranslated>
-    <OriginalSourceMarket xmlns="4873beb7-5857-4685-be1f-d57550cc96cc" xsi:nil="true"/>
-    <APDescription xmlns="4873beb7-5857-4685-be1f-d57550cc96cc" xsi:nil="true"/>
-    <ClipArtFilename xmlns="4873beb7-5857-4685-be1f-d57550cc96cc" xsi:nil="true"/>
-    <ContentItem xmlns="4873beb7-5857-4685-be1f-d57550cc96cc" xsi:nil="true"/>
-    <TPInstallLocation xmlns="4873beb7-5857-4685-be1f-d57550cc96cc" xsi:nil="true"/>
-    <PublishTargets xmlns="4873beb7-5857-4685-be1f-d57550cc96cc">OfficeOnlineVNext</PublishTargets>
-    <TimesCloned xmlns="4873beb7-5857-4685-be1f-d57550cc96cc" xsi:nil="true"/>
-    <AssetStart xmlns="4873beb7-5857-4685-be1f-d57550cc96cc">2011-12-12T13:37:00+00:00</AssetStart>
-    <Provider xmlns="4873beb7-5857-4685-be1f-d57550cc96cc" xsi:nil="true"/>
-    <AcquiredFrom xmlns="4873beb7-5857-4685-be1f-d57550cc96cc">Internal MS</AcquiredFrom>
-    <FriendlyTitle xmlns="4873beb7-5857-4685-be1f-d57550cc96cc" xsi:nil="true"/>
-    <LastHandOff xmlns="4873beb7-5857-4685-be1f-d57550cc96cc" xsi:nil="true"/>
-    <TPClientViewer xmlns="4873beb7-5857-4685-be1f-d57550cc96cc" xsi:nil="true"/>
-    <UACurrentWords xmlns="4873beb7-5857-4685-be1f-d57550cc96cc" xsi:nil="true"/>
-    <ArtSampleDocs xmlns="4873beb7-5857-4685-be1f-d57550cc96cc" xsi:nil="true"/>
-    <UALocRecommendation xmlns="4873beb7-5857-4685-be1f-d57550cc96cc">Localize</UALocRecommendation>
-    <Manager xmlns="4873beb7-5857-4685-be1f-d57550cc96cc" xsi:nil="true"/>
-    <ShowIn xmlns="4873beb7-5857-4685-be1f-d57550cc96cc">Show everywhere</ShowIn>
-    <UANotes xmlns="4873beb7-5857-4685-be1f-d57550cc96cc" xsi:nil="true"/>
-    <TemplateStatus xmlns="4873beb7-5857-4685-be1f-d57550cc96cc">Complete</TemplateStatus>
-    <InternalTagsTaxHTField0 xmlns="4873beb7-5857-4685-be1f-d57550cc96cc">
-      <Terms xmlns="http://schemas.microsoft.com/office/infopath/2007/PartnerControls"/>
-    </InternalTagsTaxHTField0>
-    <CSXHash xmlns="4873beb7-5857-4685-be1f-d57550cc96cc" xsi:nil="true"/>
-    <Downloads xmlns="4873beb7-5857-4685-be1f-d57550cc96cc">0</Downloads>
-    <VoteCount xmlns="4873beb7-5857-4685-be1f-d57550cc96cc" xsi:nil="true"/>
-    <OOCacheId xmlns="4873beb7-5857-4685-be1f-d57550cc96cc" xsi:nil="true"/>
-    <IsDeleted xmlns="4873beb7-5857-4685-be1f-d57550cc96cc">false</IsDeleted>
-    <AssetExpire xmlns="4873beb7-5857-4685-be1f-d57550cc96cc">2035-01-01T08:00:00+00:00</AssetExpire>
-    <DSATActionTaken xmlns="4873beb7-5857-4685-be1f-d57550cc96cc" xsi:nil="true"/>
-    <CSXSubmissionMarket xmlns="4873beb7-5857-4685-be1f-d57550cc96cc" xsi:nil="true"/>
-    <TPExecutable xmlns="4873beb7-5857-4685-be1f-d57550cc96cc" xsi:nil="true"/>
-    <SubmitterId xmlns="4873beb7-5857-4685-be1f-d57550cc96cc" xsi:nil="true"/>
-    <EditorialTags xmlns="4873beb7-5857-4685-be1f-d57550cc96cc" xsi:nil="true"/>
-    <ApprovalLog xmlns="4873beb7-5857-4685-be1f-d57550cc96cc" xsi:nil="true"/>
-    <AssetType xmlns="4873beb7-5857-4685-be1f-d57550cc96cc">TP</AssetType>
-    <BugNumber xmlns="4873beb7-5857-4685-be1f-d57550cc96cc" xsi:nil="true"/>
-    <CSXSubmissionDate xmlns="4873beb7-5857-4685-be1f-d57550cc96cc" xsi:nil="true"/>
-    <CSXUpdate xmlns="4873beb7-5857-4685-be1f-d57550cc96cc">false</CSXUpdate>
-    <Milestone xmlns="4873beb7-5857-4685-be1f-d57550cc96cc" xsi:nil="true"/>
-    <RecommendationsModifier xmlns="4873beb7-5857-4685-be1f-d57550cc96cc" xsi:nil="true"/>
-    <OriginAsset xmlns="4873beb7-5857-4685-be1f-d57550cc96cc" xsi:nil="true"/>
-    <TPComponent xmlns="4873beb7-5857-4685-be1f-d57550cc96cc" xsi:nil="true"/>
-    <AssetId xmlns="4873beb7-5857-4685-be1f-d57550cc96cc">TP102801058</AssetId>
-    <IntlLocPriority xmlns="4873beb7-5857-4685-be1f-d57550cc96cc" xsi:nil="true"/>
-    <PolicheckWords xmlns="4873beb7-5857-4685-be1f-d57550cc96cc" xsi:nil="true"/>
-    <TPLaunchHelpLink xmlns="4873beb7-5857-4685-be1f-d57550cc96cc" xsi:nil="true"/>
-    <TPApplication xmlns="4873beb7-5857-4685-be1f-d57550cc96cc" xsi:nil="true"/>
-    <CrawlForDependencies xmlns="4873beb7-5857-4685-be1f-d57550cc96cc">false</CrawlForDependencies>
-    <HandoffToMSDN xmlns="4873beb7-5857-4685-be1f-d57550cc96cc" xsi:nil="true"/>
-    <PlannedPubDate xmlns="4873beb7-5857-4685-be1f-d57550cc96cc" xsi:nil="true"/>
-    <IntlLangReviewer xmlns="4873beb7-5857-4685-be1f-d57550cc96cc" xsi:nil="true"/>
-    <TrustLevel xmlns="4873beb7-5857-4685-be1f-d57550cc96cc">1 Microsoft Managed Content</TrustLevel>
-    <LocLastLocAttemptVersionLookup xmlns="4873beb7-5857-4685-be1f-d57550cc96cc">706496</LocLastLocAttemptVersionLookup>
-    <IsSearchable xmlns="4873beb7-5857-4685-be1f-d57550cc96cc">true</IsSearchable>
-    <TemplateTemplateType xmlns="4873beb7-5857-4685-be1f-d57550cc96cc">PowerPoint Presentation Template</TemplateTemplateType>
-    <CampaignTagsTaxHTField0 xmlns="4873beb7-5857-4685-be1f-d57550cc96cc">
-      <Terms xmlns="http://schemas.microsoft.com/office/infopath/2007/PartnerControls"/>
-    </CampaignTagsTaxHTField0>
-    <TPNamespace xmlns="4873beb7-5857-4685-be1f-d57550cc96cc" xsi:nil="true"/>
-    <TaxCatchAll xmlns="4873beb7-5857-4685-be1f-d57550cc96cc"/>
-    <Markets xmlns="4873beb7-5857-4685-be1f-d57550cc96cc"/>
-    <UAProjectedTotalWords xmlns="4873beb7-5857-4685-be1f-d57550cc96cc" xsi:nil="true"/>
-    <IntlLangReview xmlns="4873beb7-5857-4685-be1f-d57550cc96cc">false</IntlLangReview>
-    <OutputCachingOn xmlns="4873beb7-5857-4685-be1f-d57550cc96cc">false</OutputCachingOn>
-    <AverageRating xmlns="4873beb7-5857-4685-be1f-d57550cc96cc" xsi:nil="true"/>
-    <APAuthor xmlns="4873beb7-5857-4685-be1f-d57550cc96cc">
-      <UserInfo>
-        <DisplayName>REDMOND\v-soujap</DisplayName>
-        <AccountId>1954</AccountId>
-        <AccountType/>
-      </UserInfo>
-    </APAuthor>
-    <LocManualTestRequired xmlns="4873beb7-5857-4685-be1f-d57550cc96cc">false</LocManualTestRequired>
-    <TPCommandLine xmlns="4873beb7-5857-4685-be1f-d57550cc96cc" xsi:nil="true"/>
-    <TPAppVersion xmlns="4873beb7-5857-4685-be1f-d57550cc96cc" xsi:nil="true"/>
-    <EditorialStatus xmlns="4873beb7-5857-4685-be1f-d57550cc96cc">Complete</EditorialStatus>
-    <LastModifiedDateTime xmlns="4873beb7-5857-4685-be1f-d57550cc96cc" xsi:nil="true"/>
-    <ScenarioTagsTaxHTField0 xmlns="4873beb7-5857-4685-be1f-d57550cc96cc">
-      <Terms xmlns="http://schemas.microsoft.com/office/infopath/2007/PartnerControls"/>
-    </ScenarioTagsTaxHTField0>
-    <OriginalRelease xmlns="4873beb7-5857-4685-be1f-d57550cc96cc">14</OriginalRelease>
-    <TPLaunchHelpLinkType xmlns="4873beb7-5857-4685-be1f-d57550cc96cc">Template</TPLaunchHelpLinkType>
-    <LocalizationTagsTaxHTField0 xmlns="4873beb7-5857-4685-be1f-d57550cc96cc">
-      <Terms xmlns="http://schemas.microsoft.com/office/infopath/2007/PartnerControls"/>
-    </LocalizationTagsTaxHTField0>
-    <LocMarketGroupTiers2 xmlns="4873beb7-5857-4685-be1f-d57550cc96cc" xsi:nil="true"/>
-  </documentManagement>
-</p:properties>
-</file>
-
-<file path=customXml/item2.xml><?xml version="1.0" encoding="utf-8"?>
-<?mso-contentType ?>
-<FormTemplates xmlns="http://schemas.microsoft.com/sharepoint/v3/contenttype/forms">
-  <Display>DocumentLibraryForm</Display>
-  <Edit>AssetEditForm</Edit>
-  <New>DocumentLibraryForm</New>
-</FormTemplates>
-</file>
-
-<file path=customXml/item3.xml><?xml version="1.0" encoding="utf-8"?>
 <ct:contentTypeSchema xmlns:ct="http://schemas.microsoft.com/office/2006/metadata/contentType" xmlns:ma="http://schemas.microsoft.com/office/2006/metadata/properties/metaAttributes" ct:_="" ma:_="" ma:contentTypeName="TemplateFile" ma:contentTypeID="0x0101006EDDDB5EE6D98C44930B742096920B300400F5B6D36B3EF94B4E9A635CDF2A18F5B8" ma:contentTypeVersion="72" ma:contentTypeDescription="Create a new document." ma:contentTypeScope="" ma:versionID="a23e56308344d904b51738559c3d67c9">
   <xsd:schema xmlns:xsd="http://www.w3.org/2001/XMLSchema" xmlns:xs="http://www.w3.org/2001/XMLSchema" xmlns:p="http://schemas.microsoft.com/office/2006/metadata/properties" xmlns:ns2="4873beb7-5857-4685-be1f-d57550cc96cc" targetNamespace="http://schemas.microsoft.com/office/2006/metadata/properties" ma:root="true" ma:fieldsID="cd0908cc4600e77bf5da051303e00c8d" ns2:_="">
     <xsd:import namespace="4873beb7-5857-4685-be1f-d57550cc96cc"/>
@@ -10142,31 +10006,142 @@
 </ct:contentTypeSchema>
 </file>
 
-<file path=customXml/itemProps1.xml><?xml version="1.0" encoding="utf-8"?>
-<ds:datastoreItem xmlns:ds="http://schemas.openxmlformats.org/officeDocument/2006/customXml" ds:itemID="{4ED80E12-3BE9-4746-820E-FFB249F467F2}">
-  <ds:schemaRefs>
-    <ds:schemaRef ds:uri="http://schemas.microsoft.com/office/2006/documentManagement/types"/>
-    <ds:schemaRef ds:uri="http://purl.org/dc/elements/1.1/"/>
-    <ds:schemaRef ds:uri="http://schemas.microsoft.com/office/2006/metadata/properties"/>
-    <ds:schemaRef ds:uri="4873beb7-5857-4685-be1f-d57550cc96cc"/>
-    <ds:schemaRef ds:uri="http://schemas.openxmlformats.org/package/2006/metadata/core-properties"/>
-    <ds:schemaRef ds:uri="http://purl.org/dc/terms/"/>
-    <ds:schemaRef ds:uri="http://schemas.microsoft.com/office/infopath/2007/PartnerControls"/>
-    <ds:schemaRef ds:uri="http://www.w3.org/XML/1998/namespace"/>
-    <ds:schemaRef ds:uri="http://purl.org/dc/dcmitype/"/>
-  </ds:schemaRefs>
-</ds:datastoreItem>
+<file path=customXml/item2.xml><?xml version="1.0" encoding="utf-8"?>
+<?mso-contentType ?>
+<FormTemplates xmlns="http://schemas.microsoft.com/sharepoint/v3/contenttype/forms">
+  <Display>DocumentLibraryForm</Display>
+  <Edit>AssetEditForm</Edit>
+  <New>DocumentLibraryForm</New>
+</FormTemplates>
 </file>
 
-<file path=customXml/itemProps2.xml><?xml version="1.0" encoding="utf-8"?>
-<ds:datastoreItem xmlns:ds="http://schemas.openxmlformats.org/officeDocument/2006/customXml" ds:itemID="{8D003AC8-209A-4321-A17C-1B7A20643390}">
-  <ds:schemaRefs>
-    <ds:schemaRef ds:uri="http://schemas.microsoft.com/sharepoint/v3/contenttype/forms"/>
-  </ds:schemaRefs>
-</ds:datastoreItem>
+<file path=customXml/item3.xml><?xml version="1.0" encoding="utf-8"?>
+<p:properties xmlns:p="http://schemas.microsoft.com/office/2006/metadata/properties" xmlns:xsi="http://www.w3.org/2001/XMLSchema-instance" xmlns:pc="http://schemas.microsoft.com/office/infopath/2007/PartnerControls">
+  <documentManagement>
+    <DirectSourceMarket xmlns="4873beb7-5857-4685-be1f-d57550cc96cc" xsi:nil="true"/>
+    <ApprovalStatus xmlns="4873beb7-5857-4685-be1f-d57550cc96cc">InProgress</ApprovalStatus>
+    <MarketSpecific xmlns="4873beb7-5857-4685-be1f-d57550cc96cc">false</MarketSpecific>
+    <LocComments xmlns="4873beb7-5857-4685-be1f-d57550cc96cc" xsi:nil="true"/>
+    <ThumbnailAssetId xmlns="4873beb7-5857-4685-be1f-d57550cc96cc" xsi:nil="true"/>
+    <PrimaryImageGen xmlns="4873beb7-5857-4685-be1f-d57550cc96cc">false</PrimaryImageGen>
+    <LegacyData xmlns="4873beb7-5857-4685-be1f-d57550cc96cc" xsi:nil="true"/>
+    <LocRecommendedHandoff xmlns="4873beb7-5857-4685-be1f-d57550cc96cc" xsi:nil="true"/>
+    <BusinessGroup xmlns="4873beb7-5857-4685-be1f-d57550cc96cc" xsi:nil="true"/>
+    <BlockPublish xmlns="4873beb7-5857-4685-be1f-d57550cc96cc">false</BlockPublish>
+    <TPFriendlyName xmlns="4873beb7-5857-4685-be1f-d57550cc96cc" xsi:nil="true"/>
+    <NumericId xmlns="4873beb7-5857-4685-be1f-d57550cc96cc" xsi:nil="true"/>
+    <APEditor xmlns="4873beb7-5857-4685-be1f-d57550cc96cc">
+      <UserInfo>
+        <DisplayName/>
+        <AccountId xsi:nil="true"/>
+        <AccountType/>
+      </UserInfo>
+    </APEditor>
+    <SourceTitle xmlns="4873beb7-5857-4685-be1f-d57550cc96cc" xsi:nil="true"/>
+    <OpenTemplate xmlns="4873beb7-5857-4685-be1f-d57550cc96cc">true</OpenTemplate>
+    <UALocComments xmlns="4873beb7-5857-4685-be1f-d57550cc96cc" xsi:nil="true"/>
+    <ParentAssetId xmlns="4873beb7-5857-4685-be1f-d57550cc96cc" xsi:nil="true"/>
+    <IntlLangReviewDate xmlns="4873beb7-5857-4685-be1f-d57550cc96cc" xsi:nil="true"/>
+    <FeatureTagsTaxHTField0 xmlns="4873beb7-5857-4685-be1f-d57550cc96cc">
+      <Terms xmlns="http://schemas.microsoft.com/office/infopath/2007/PartnerControls"/>
+    </FeatureTagsTaxHTField0>
+    <PublishStatusLookup xmlns="4873beb7-5857-4685-be1f-d57550cc96cc">
+      <Value>1360476</Value>
+    </PublishStatusLookup>
+    <Providers xmlns="4873beb7-5857-4685-be1f-d57550cc96cc" xsi:nil="true"/>
+    <MachineTranslated xmlns="4873beb7-5857-4685-be1f-d57550cc96cc">false</MachineTranslated>
+    <OriginalSourceMarket xmlns="4873beb7-5857-4685-be1f-d57550cc96cc" xsi:nil="true"/>
+    <APDescription xmlns="4873beb7-5857-4685-be1f-d57550cc96cc" xsi:nil="true"/>
+    <ClipArtFilename xmlns="4873beb7-5857-4685-be1f-d57550cc96cc" xsi:nil="true"/>
+    <ContentItem xmlns="4873beb7-5857-4685-be1f-d57550cc96cc" xsi:nil="true"/>
+    <TPInstallLocation xmlns="4873beb7-5857-4685-be1f-d57550cc96cc" xsi:nil="true"/>
+    <PublishTargets xmlns="4873beb7-5857-4685-be1f-d57550cc96cc">OfficeOnlineVNext</PublishTargets>
+    <TimesCloned xmlns="4873beb7-5857-4685-be1f-d57550cc96cc" xsi:nil="true"/>
+    <AssetStart xmlns="4873beb7-5857-4685-be1f-d57550cc96cc">2011-12-12T13:37:00+00:00</AssetStart>
+    <Provider xmlns="4873beb7-5857-4685-be1f-d57550cc96cc" xsi:nil="true"/>
+    <AcquiredFrom xmlns="4873beb7-5857-4685-be1f-d57550cc96cc">Internal MS</AcquiredFrom>
+    <FriendlyTitle xmlns="4873beb7-5857-4685-be1f-d57550cc96cc" xsi:nil="true"/>
+    <LastHandOff xmlns="4873beb7-5857-4685-be1f-d57550cc96cc" xsi:nil="true"/>
+    <TPClientViewer xmlns="4873beb7-5857-4685-be1f-d57550cc96cc" xsi:nil="true"/>
+    <UACurrentWords xmlns="4873beb7-5857-4685-be1f-d57550cc96cc" xsi:nil="true"/>
+    <ArtSampleDocs xmlns="4873beb7-5857-4685-be1f-d57550cc96cc" xsi:nil="true"/>
+    <UALocRecommendation xmlns="4873beb7-5857-4685-be1f-d57550cc96cc">Localize</UALocRecommendation>
+    <Manager xmlns="4873beb7-5857-4685-be1f-d57550cc96cc" xsi:nil="true"/>
+    <ShowIn xmlns="4873beb7-5857-4685-be1f-d57550cc96cc">Show everywhere</ShowIn>
+    <UANotes xmlns="4873beb7-5857-4685-be1f-d57550cc96cc" xsi:nil="true"/>
+    <TemplateStatus xmlns="4873beb7-5857-4685-be1f-d57550cc96cc">Complete</TemplateStatus>
+    <InternalTagsTaxHTField0 xmlns="4873beb7-5857-4685-be1f-d57550cc96cc">
+      <Terms xmlns="http://schemas.microsoft.com/office/infopath/2007/PartnerControls"/>
+    </InternalTagsTaxHTField0>
+    <CSXHash xmlns="4873beb7-5857-4685-be1f-d57550cc96cc" xsi:nil="true"/>
+    <Downloads xmlns="4873beb7-5857-4685-be1f-d57550cc96cc">0</Downloads>
+    <VoteCount xmlns="4873beb7-5857-4685-be1f-d57550cc96cc" xsi:nil="true"/>
+    <OOCacheId xmlns="4873beb7-5857-4685-be1f-d57550cc96cc" xsi:nil="true"/>
+    <IsDeleted xmlns="4873beb7-5857-4685-be1f-d57550cc96cc">false</IsDeleted>
+    <AssetExpire xmlns="4873beb7-5857-4685-be1f-d57550cc96cc">2035-01-01T08:00:00+00:00</AssetExpire>
+    <DSATActionTaken xmlns="4873beb7-5857-4685-be1f-d57550cc96cc" xsi:nil="true"/>
+    <CSXSubmissionMarket xmlns="4873beb7-5857-4685-be1f-d57550cc96cc" xsi:nil="true"/>
+    <TPExecutable xmlns="4873beb7-5857-4685-be1f-d57550cc96cc" xsi:nil="true"/>
+    <SubmitterId xmlns="4873beb7-5857-4685-be1f-d57550cc96cc" xsi:nil="true"/>
+    <EditorialTags xmlns="4873beb7-5857-4685-be1f-d57550cc96cc" xsi:nil="true"/>
+    <ApprovalLog xmlns="4873beb7-5857-4685-be1f-d57550cc96cc" xsi:nil="true"/>
+    <AssetType xmlns="4873beb7-5857-4685-be1f-d57550cc96cc">TP</AssetType>
+    <BugNumber xmlns="4873beb7-5857-4685-be1f-d57550cc96cc" xsi:nil="true"/>
+    <CSXSubmissionDate xmlns="4873beb7-5857-4685-be1f-d57550cc96cc" xsi:nil="true"/>
+    <CSXUpdate xmlns="4873beb7-5857-4685-be1f-d57550cc96cc">false</CSXUpdate>
+    <Milestone xmlns="4873beb7-5857-4685-be1f-d57550cc96cc" xsi:nil="true"/>
+    <RecommendationsModifier xmlns="4873beb7-5857-4685-be1f-d57550cc96cc" xsi:nil="true"/>
+    <OriginAsset xmlns="4873beb7-5857-4685-be1f-d57550cc96cc" xsi:nil="true"/>
+    <TPComponent xmlns="4873beb7-5857-4685-be1f-d57550cc96cc" xsi:nil="true"/>
+    <AssetId xmlns="4873beb7-5857-4685-be1f-d57550cc96cc">TP102801058</AssetId>
+    <IntlLocPriority xmlns="4873beb7-5857-4685-be1f-d57550cc96cc" xsi:nil="true"/>
+    <PolicheckWords xmlns="4873beb7-5857-4685-be1f-d57550cc96cc" xsi:nil="true"/>
+    <TPLaunchHelpLink xmlns="4873beb7-5857-4685-be1f-d57550cc96cc" xsi:nil="true"/>
+    <TPApplication xmlns="4873beb7-5857-4685-be1f-d57550cc96cc" xsi:nil="true"/>
+    <CrawlForDependencies xmlns="4873beb7-5857-4685-be1f-d57550cc96cc">false</CrawlForDependencies>
+    <HandoffToMSDN xmlns="4873beb7-5857-4685-be1f-d57550cc96cc" xsi:nil="true"/>
+    <PlannedPubDate xmlns="4873beb7-5857-4685-be1f-d57550cc96cc" xsi:nil="true"/>
+    <IntlLangReviewer xmlns="4873beb7-5857-4685-be1f-d57550cc96cc" xsi:nil="true"/>
+    <TrustLevel xmlns="4873beb7-5857-4685-be1f-d57550cc96cc">1 Microsoft Managed Content</TrustLevel>
+    <LocLastLocAttemptVersionLookup xmlns="4873beb7-5857-4685-be1f-d57550cc96cc">706496</LocLastLocAttemptVersionLookup>
+    <IsSearchable xmlns="4873beb7-5857-4685-be1f-d57550cc96cc">true</IsSearchable>
+    <TemplateTemplateType xmlns="4873beb7-5857-4685-be1f-d57550cc96cc">PowerPoint Presentation Template</TemplateTemplateType>
+    <CampaignTagsTaxHTField0 xmlns="4873beb7-5857-4685-be1f-d57550cc96cc">
+      <Terms xmlns="http://schemas.microsoft.com/office/infopath/2007/PartnerControls"/>
+    </CampaignTagsTaxHTField0>
+    <TPNamespace xmlns="4873beb7-5857-4685-be1f-d57550cc96cc" xsi:nil="true"/>
+    <TaxCatchAll xmlns="4873beb7-5857-4685-be1f-d57550cc96cc"/>
+    <Markets xmlns="4873beb7-5857-4685-be1f-d57550cc96cc"/>
+    <UAProjectedTotalWords xmlns="4873beb7-5857-4685-be1f-d57550cc96cc" xsi:nil="true"/>
+    <IntlLangReview xmlns="4873beb7-5857-4685-be1f-d57550cc96cc">false</IntlLangReview>
+    <OutputCachingOn xmlns="4873beb7-5857-4685-be1f-d57550cc96cc">false</OutputCachingOn>
+    <AverageRating xmlns="4873beb7-5857-4685-be1f-d57550cc96cc" xsi:nil="true"/>
+    <APAuthor xmlns="4873beb7-5857-4685-be1f-d57550cc96cc">
+      <UserInfo>
+        <DisplayName>REDMOND\v-soujap</DisplayName>
+        <AccountId>1954</AccountId>
+        <AccountType/>
+      </UserInfo>
+    </APAuthor>
+    <LocManualTestRequired xmlns="4873beb7-5857-4685-be1f-d57550cc96cc">false</LocManualTestRequired>
+    <TPCommandLine xmlns="4873beb7-5857-4685-be1f-d57550cc96cc" xsi:nil="true"/>
+    <TPAppVersion xmlns="4873beb7-5857-4685-be1f-d57550cc96cc" xsi:nil="true"/>
+    <EditorialStatus xmlns="4873beb7-5857-4685-be1f-d57550cc96cc">Complete</EditorialStatus>
+    <LastModifiedDateTime xmlns="4873beb7-5857-4685-be1f-d57550cc96cc" xsi:nil="true"/>
+    <ScenarioTagsTaxHTField0 xmlns="4873beb7-5857-4685-be1f-d57550cc96cc">
+      <Terms xmlns="http://schemas.microsoft.com/office/infopath/2007/PartnerControls"/>
+    </ScenarioTagsTaxHTField0>
+    <OriginalRelease xmlns="4873beb7-5857-4685-be1f-d57550cc96cc">14</OriginalRelease>
+    <TPLaunchHelpLinkType xmlns="4873beb7-5857-4685-be1f-d57550cc96cc">Template</TPLaunchHelpLinkType>
+    <LocalizationTagsTaxHTField0 xmlns="4873beb7-5857-4685-be1f-d57550cc96cc">
+      <Terms xmlns="http://schemas.microsoft.com/office/infopath/2007/PartnerControls"/>
+    </LocalizationTagsTaxHTField0>
+    <LocMarketGroupTiers2 xmlns="4873beb7-5857-4685-be1f-d57550cc96cc" xsi:nil="true"/>
+  </documentManagement>
+</p:properties>
 </file>
 
-<file path=customXml/itemProps3.xml><?xml version="1.0" encoding="utf-8"?>
+<file path=customXml/itemProps1.xml><?xml version="1.0" encoding="utf-8"?>
 <ds:datastoreItem xmlns:ds="http://schemas.openxmlformats.org/officeDocument/2006/customXml" ds:itemID="{83ED4759-CFDD-43F0-817C-11D9197192BA}">
   <ds:schemaRefs>
     <ds:schemaRef ds:uri="http://schemas.microsoft.com/office/2006/metadata/contentType"/>
@@ -10182,4 +10157,28 @@
     <ds:schemaRef ds:uri="http://schemas.microsoft.com/internal/obd"/>
   </ds:schemaRefs>
 </ds:datastoreItem>
+</file>
+
+<file path=customXml/itemProps2.xml><?xml version="1.0" encoding="utf-8"?>
+<ds:datastoreItem xmlns:ds="http://schemas.openxmlformats.org/officeDocument/2006/customXml" ds:itemID="{8D003AC8-209A-4321-A17C-1B7A20643390}">
+  <ds:schemaRefs>
+    <ds:schemaRef ds:uri="http://schemas.microsoft.com/sharepoint/v3/contenttype/forms"/>
+  </ds:schemaRefs>
+</ds:datastoreItem>
+</file>
+
+<file path=customXml/itemProps3.xml><?xml version="1.0" encoding="utf-8"?>
+<ds:datastoreItem xmlns:ds="http://schemas.openxmlformats.org/officeDocument/2006/customXml" ds:itemID="{4ED80E12-3BE9-4746-820E-FFB249F467F2}">
+  <ds:schemaRefs>
+    <ds:schemaRef ds:uri="http://schemas.microsoft.com/office/2006/documentManagement/types"/>
+    <ds:schemaRef ds:uri="http://purl.org/dc/elements/1.1/"/>
+    <ds:schemaRef ds:uri="http://schemas.microsoft.com/office/2006/metadata/properties"/>
+    <ds:schemaRef ds:uri="4873beb7-5857-4685-be1f-d57550cc96cc"/>
+    <ds:schemaRef ds:uri="http://schemas.openxmlformats.org/package/2006/metadata/core-properties"/>
+    <ds:schemaRef ds:uri="http://purl.org/dc/terms/"/>
+    <ds:schemaRef ds:uri="http://schemas.microsoft.com/office/infopath/2007/PartnerControls"/>
+    <ds:schemaRef ds:uri="http://www.w3.org/XML/1998/namespace"/>
+    <ds:schemaRef ds:uri="http://purl.org/dc/dcmitype/"/>
+  </ds:schemaRefs>
+</ds:datastoreItem>
 </file>
--- a/Ubuntu下配置及使用jflex.pptx
+++ b/Ubuntu下配置及使用jflex.pptx
@@ -7323,7 +7323,7 @@
             </a:r>
             <a:r>
               <a:rPr lang="en-US" altLang="zh-CN" dirty="0"/>
-              <a:t> -cp java-cup-11b.jar Lexer.java    //</a:t>
+              <a:t> Lexer.java    //</a:t>
             </a:r>
             <a:r>
               <a:rPr lang="zh-CN" altLang="en-US" dirty="0"/>
@@ -8167,7 +8167,30 @@
               </a:rPr>
               <a:t>https://github.com/fhlxc/ubuntu-jflex.git</a:t>
             </a:r>
-            <a:endParaRPr lang="zh-CN" altLang="en-US" cap="none" dirty="0"/>
+            <a:endParaRPr lang="en-US" altLang="zh-CN" cap="none" dirty="0"/>
+          </a:p>
+          <a:p>
+            <a:r>
+              <a:rPr lang="zh-CN" altLang="en-US" cap="none" dirty="0"/>
+              <a:t>有关</a:t>
+            </a:r>
+            <a:r>
+              <a:rPr lang="en-US" altLang="zh-CN" cap="none" dirty="0"/>
+              <a:t>cup</a:t>
+            </a:r>
+            <a:r>
+              <a:rPr lang="zh-CN" altLang="en-US" cap="none" dirty="0"/>
+              <a:t>的均是语法分析相关的暂时不需要，也放在</a:t>
+            </a:r>
+            <a:r>
+              <a:rPr lang="en-US" altLang="zh-CN" cap="none" dirty="0"/>
+              <a:t>GitHub</a:t>
+            </a:r>
+            <a:r>
+              <a:rPr lang="zh-CN" altLang="en-US" cap="none"/>
+              <a:t>上了。</a:t>
+            </a:r>
+            <a:endParaRPr lang="en-US" altLang="zh-CN" cap="none"/>
           </a:p>
         </p:txBody>
       </p:sp>
@@ -8967,6 +8990,141 @@
 </file>
 
 <file path=customXml/item1.xml><?xml version="1.0" encoding="utf-8"?>
+<p:properties xmlns:p="http://schemas.microsoft.com/office/2006/metadata/properties" xmlns:xsi="http://www.w3.org/2001/XMLSchema-instance" xmlns:pc="http://schemas.microsoft.com/office/infopath/2007/PartnerControls">
+  <documentManagement>
+    <DirectSourceMarket xmlns="4873beb7-5857-4685-be1f-d57550cc96cc" xsi:nil="true"/>
+    <ApprovalStatus xmlns="4873beb7-5857-4685-be1f-d57550cc96cc">InProgress</ApprovalStatus>
+    <MarketSpecific xmlns="4873beb7-5857-4685-be1f-d57550cc96cc">false</MarketSpecific>
+    <LocComments xmlns="4873beb7-5857-4685-be1f-d57550cc96cc" xsi:nil="true"/>
+    <ThumbnailAssetId xmlns="4873beb7-5857-4685-be1f-d57550cc96cc" xsi:nil="true"/>
+    <PrimaryImageGen xmlns="4873beb7-5857-4685-be1f-d57550cc96cc">false</PrimaryImageGen>
+    <LegacyData xmlns="4873beb7-5857-4685-be1f-d57550cc96cc" xsi:nil="true"/>
+    <LocRecommendedHandoff xmlns="4873beb7-5857-4685-be1f-d57550cc96cc" xsi:nil="true"/>
+    <BusinessGroup xmlns="4873beb7-5857-4685-be1f-d57550cc96cc" xsi:nil="true"/>
+    <BlockPublish xmlns="4873beb7-5857-4685-be1f-d57550cc96cc">false</BlockPublish>
+    <TPFriendlyName xmlns="4873beb7-5857-4685-be1f-d57550cc96cc" xsi:nil="true"/>
+    <NumericId xmlns="4873beb7-5857-4685-be1f-d57550cc96cc" xsi:nil="true"/>
+    <APEditor xmlns="4873beb7-5857-4685-be1f-d57550cc96cc">
+      <UserInfo>
+        <DisplayName/>
+        <AccountId xsi:nil="true"/>
+        <AccountType/>
+      </UserInfo>
+    </APEditor>
+    <SourceTitle xmlns="4873beb7-5857-4685-be1f-d57550cc96cc" xsi:nil="true"/>
+    <OpenTemplate xmlns="4873beb7-5857-4685-be1f-d57550cc96cc">true</OpenTemplate>
+    <UALocComments xmlns="4873beb7-5857-4685-be1f-d57550cc96cc" xsi:nil="true"/>
+    <ParentAssetId xmlns="4873beb7-5857-4685-be1f-d57550cc96cc" xsi:nil="true"/>
+    <IntlLangReviewDate xmlns="4873beb7-5857-4685-be1f-d57550cc96cc" xsi:nil="true"/>
+    <FeatureTagsTaxHTField0 xmlns="4873beb7-5857-4685-be1f-d57550cc96cc">
+      <Terms xmlns="http://schemas.microsoft.com/office/infopath/2007/PartnerControls"/>
+    </FeatureTagsTaxHTField0>
+    <PublishStatusLookup xmlns="4873beb7-5857-4685-be1f-d57550cc96cc">
+      <Value>1360476</Value>
+    </PublishStatusLookup>
+    <Providers xmlns="4873beb7-5857-4685-be1f-d57550cc96cc" xsi:nil="true"/>
+    <MachineTranslated xmlns="4873beb7-5857-4685-be1f-d57550cc96cc">false</MachineTranslated>
+    <OriginalSourceMarket xmlns="4873beb7-5857-4685-be1f-d57550cc96cc" xsi:nil="true"/>
+    <APDescription xmlns="4873beb7-5857-4685-be1f-d57550cc96cc" xsi:nil="true"/>
+    <ClipArtFilename xmlns="4873beb7-5857-4685-be1f-d57550cc96cc" xsi:nil="true"/>
+    <ContentItem xmlns="4873beb7-5857-4685-be1f-d57550cc96cc" xsi:nil="true"/>
+    <TPInstallLocation xmlns="4873beb7-5857-4685-be1f-d57550cc96cc" xsi:nil="true"/>
+    <PublishTargets xmlns="4873beb7-5857-4685-be1f-d57550cc96cc">OfficeOnlineVNext</PublishTargets>
+    <TimesCloned xmlns="4873beb7-5857-4685-be1f-d57550cc96cc" xsi:nil="true"/>
+    <AssetStart xmlns="4873beb7-5857-4685-be1f-d57550cc96cc">2011-12-12T13:37:00+00:00</AssetStart>
+    <Provider xmlns="4873beb7-5857-4685-be1f-d57550cc96cc" xsi:nil="true"/>
+    <AcquiredFrom xmlns="4873beb7-5857-4685-be1f-d57550cc96cc">Internal MS</AcquiredFrom>
+    <FriendlyTitle xmlns="4873beb7-5857-4685-be1f-d57550cc96cc" xsi:nil="true"/>
+    <LastHandOff xmlns="4873beb7-5857-4685-be1f-d57550cc96cc" xsi:nil="true"/>
+    <TPClientViewer xmlns="4873beb7-5857-4685-be1f-d57550cc96cc" xsi:nil="true"/>
+    <UACurrentWords xmlns="4873beb7-5857-4685-be1f-d57550cc96cc" xsi:nil="true"/>
+    <ArtSampleDocs xmlns="4873beb7-5857-4685-be1f-d57550cc96cc" xsi:nil="true"/>
+    <UALocRecommendation xmlns="4873beb7-5857-4685-be1f-d57550cc96cc">Localize</UALocRecommendation>
+    <Manager xmlns="4873beb7-5857-4685-be1f-d57550cc96cc" xsi:nil="true"/>
+    <ShowIn xmlns="4873beb7-5857-4685-be1f-d57550cc96cc">Show everywhere</ShowIn>
+    <UANotes xmlns="4873beb7-5857-4685-be1f-d57550cc96cc" xsi:nil="true"/>
+    <TemplateStatus xmlns="4873beb7-5857-4685-be1f-d57550cc96cc">Complete</TemplateStatus>
+    <InternalTagsTaxHTField0 xmlns="4873beb7-5857-4685-be1f-d57550cc96cc">
+      <Terms xmlns="http://schemas.microsoft.com/office/infopath/2007/PartnerControls"/>
+    </InternalTagsTaxHTField0>
+    <CSXHash xmlns="4873beb7-5857-4685-be1f-d57550cc96cc" xsi:nil="true"/>
+    <Downloads xmlns="4873beb7-5857-4685-be1f-d57550cc96cc">0</Downloads>
+    <VoteCount xmlns="4873beb7-5857-4685-be1f-d57550cc96cc" xsi:nil="true"/>
+    <OOCacheId xmlns="4873beb7-5857-4685-be1f-d57550cc96cc" xsi:nil="true"/>
+    <IsDeleted xmlns="4873beb7-5857-4685-be1f-d57550cc96cc">false</IsDeleted>
+    <AssetExpire xmlns="4873beb7-5857-4685-be1f-d57550cc96cc">2035-01-01T08:00:00+00:00</AssetExpire>
+    <DSATActionTaken xmlns="4873beb7-5857-4685-be1f-d57550cc96cc" xsi:nil="true"/>
+    <CSXSubmissionMarket xmlns="4873beb7-5857-4685-be1f-d57550cc96cc" xsi:nil="true"/>
+    <TPExecutable xmlns="4873beb7-5857-4685-be1f-d57550cc96cc" xsi:nil="true"/>
+    <SubmitterId xmlns="4873beb7-5857-4685-be1f-d57550cc96cc" xsi:nil="true"/>
+    <EditorialTags xmlns="4873beb7-5857-4685-be1f-d57550cc96cc" xsi:nil="true"/>
+    <ApprovalLog xmlns="4873beb7-5857-4685-be1f-d57550cc96cc" xsi:nil="true"/>
+    <AssetType xmlns="4873beb7-5857-4685-be1f-d57550cc96cc">TP</AssetType>
+    <BugNumber xmlns="4873beb7-5857-4685-be1f-d57550cc96cc" xsi:nil="true"/>
+    <CSXSubmissionDate xmlns="4873beb7-5857-4685-be1f-d57550cc96cc" xsi:nil="true"/>
+    <CSXUpdate xmlns="4873beb7-5857-4685-be1f-d57550cc96cc">false</CSXUpdate>
+    <Milestone xmlns="4873beb7-5857-4685-be1f-d57550cc96cc" xsi:nil="true"/>
+    <RecommendationsModifier xmlns="4873beb7-5857-4685-be1f-d57550cc96cc" xsi:nil="true"/>
+    <OriginAsset xmlns="4873beb7-5857-4685-be1f-d57550cc96cc" xsi:nil="true"/>
+    <TPComponent xmlns="4873beb7-5857-4685-be1f-d57550cc96cc" xsi:nil="true"/>
+    <AssetId xmlns="4873beb7-5857-4685-be1f-d57550cc96cc">TP102801058</AssetId>
+    <IntlLocPriority xmlns="4873beb7-5857-4685-be1f-d57550cc96cc" xsi:nil="true"/>
+    <PolicheckWords xmlns="4873beb7-5857-4685-be1f-d57550cc96cc" xsi:nil="true"/>
+    <TPLaunchHelpLink xmlns="4873beb7-5857-4685-be1f-d57550cc96cc" xsi:nil="true"/>
+    <TPApplication xmlns="4873beb7-5857-4685-be1f-d57550cc96cc" xsi:nil="true"/>
+    <CrawlForDependencies xmlns="4873beb7-5857-4685-be1f-d57550cc96cc">false</CrawlForDependencies>
+    <HandoffToMSDN xmlns="4873beb7-5857-4685-be1f-d57550cc96cc" xsi:nil="true"/>
+    <PlannedPubDate xmlns="4873beb7-5857-4685-be1f-d57550cc96cc" xsi:nil="true"/>
+    <IntlLangReviewer xmlns="4873beb7-5857-4685-be1f-d57550cc96cc" xsi:nil="true"/>
+    <TrustLevel xmlns="4873beb7-5857-4685-be1f-d57550cc96cc">1 Microsoft Managed Content</TrustLevel>
+    <LocLastLocAttemptVersionLookup xmlns="4873beb7-5857-4685-be1f-d57550cc96cc">706496</LocLastLocAttemptVersionLookup>
+    <IsSearchable xmlns="4873beb7-5857-4685-be1f-d57550cc96cc">true</IsSearchable>
+    <TemplateTemplateType xmlns="4873beb7-5857-4685-be1f-d57550cc96cc">PowerPoint Presentation Template</TemplateTemplateType>
+    <CampaignTagsTaxHTField0 xmlns="4873beb7-5857-4685-be1f-d57550cc96cc">
+      <Terms xmlns="http://schemas.microsoft.com/office/infopath/2007/PartnerControls"/>
+    </CampaignTagsTaxHTField0>
+    <TPNamespace xmlns="4873beb7-5857-4685-be1f-d57550cc96cc" xsi:nil="true"/>
+    <TaxCatchAll xmlns="4873beb7-5857-4685-be1f-d57550cc96cc"/>
+    <Markets xmlns="4873beb7-5857-4685-be1f-d57550cc96cc"/>
+    <UAProjectedTotalWords xmlns="4873beb7-5857-4685-be1f-d57550cc96cc" xsi:nil="true"/>
+    <IntlLangReview xmlns="4873beb7-5857-4685-be1f-d57550cc96cc">false</IntlLangReview>
+    <OutputCachingOn xmlns="4873beb7-5857-4685-be1f-d57550cc96cc">false</OutputCachingOn>
+    <AverageRating xmlns="4873beb7-5857-4685-be1f-d57550cc96cc" xsi:nil="true"/>
+    <APAuthor xmlns="4873beb7-5857-4685-be1f-d57550cc96cc">
+      <UserInfo>
+        <DisplayName>REDMOND\v-soujap</DisplayName>
+        <AccountId>1954</AccountId>
+        <AccountType/>
+      </UserInfo>
+    </APAuthor>
+    <LocManualTestRequired xmlns="4873beb7-5857-4685-be1f-d57550cc96cc">false</LocManualTestRequired>
+    <TPCommandLine xmlns="4873beb7-5857-4685-be1f-d57550cc96cc" xsi:nil="true"/>
+    <TPAppVersion xmlns="4873beb7-5857-4685-be1f-d57550cc96cc" xsi:nil="true"/>
+    <EditorialStatus xmlns="4873beb7-5857-4685-be1f-d57550cc96cc">Complete</EditorialStatus>
+    <LastModifiedDateTime xmlns="4873beb7-5857-4685-be1f-d57550cc96cc" xsi:nil="true"/>
+    <ScenarioTagsTaxHTField0 xmlns="4873beb7-5857-4685-be1f-d57550cc96cc">
+      <Terms xmlns="http://schemas.microsoft.com/office/infopath/2007/PartnerControls"/>
+    </ScenarioTagsTaxHTField0>
+    <OriginalRelease xmlns="4873beb7-5857-4685-be1f-d57550cc96cc">14</OriginalRelease>
+    <TPLaunchHelpLinkType xmlns="4873beb7-5857-4685-be1f-d57550cc96cc">Template</TPLaunchHelpLinkType>
+    <LocalizationTagsTaxHTField0 xmlns="4873beb7-5857-4685-be1f-d57550cc96cc">
+      <Terms xmlns="http://schemas.microsoft.com/office/infopath/2007/PartnerControls"/>
+    </LocalizationTagsTaxHTField0>
+    <LocMarketGroupTiers2 xmlns="4873beb7-5857-4685-be1f-d57550cc96cc" xsi:nil="true"/>
+  </documentManagement>
+</p:properties>
+</file>
+
+<file path=customXml/item2.xml><?xml version="1.0" encoding="utf-8"?>
+<?mso-contentType ?>
+<FormTemplates xmlns="http://schemas.microsoft.com/sharepoint/v3/contenttype/forms">
+  <Display>DocumentLibraryForm</Display>
+  <Edit>AssetEditForm</Edit>
+  <New>DocumentLibraryForm</New>
+</FormTemplates>
+</file>
+
+<file path=customXml/item3.xml><?xml version="1.0" encoding="utf-8"?>
 <ct:contentTypeSchema xmlns:ct="http://schemas.microsoft.com/office/2006/metadata/contentType" xmlns:ma="http://schemas.microsoft.com/office/2006/metadata/properties/metaAttributes" ct:_="" ma:_="" ma:contentTypeName="TemplateFile" ma:contentTypeID="0x0101006EDDDB5EE6D98C44930B742096920B300400F5B6D36B3EF94B4E9A635CDF2A18F5B8" ma:contentTypeVersion="72" ma:contentTypeDescription="Create a new document." ma:contentTypeScope="" ma:versionID="a23e56308344d904b51738559c3d67c9">
   <xsd:schema xmlns:xsd="http://www.w3.org/2001/XMLSchema" xmlns:xs="http://www.w3.org/2001/XMLSchema" xmlns:p="http://schemas.microsoft.com/office/2006/metadata/properties" xmlns:ns2="4873beb7-5857-4685-be1f-d57550cc96cc" targetNamespace="http://schemas.microsoft.com/office/2006/metadata/properties" ma:root="true" ma:fieldsID="cd0908cc4600e77bf5da051303e00c8d" ns2:_="">
     <xsd:import namespace="4873beb7-5857-4685-be1f-d57550cc96cc"/>
@@ -10006,142 +10164,31 @@
 </ct:contentTypeSchema>
 </file>
 
-<file path=customXml/item2.xml><?xml version="1.0" encoding="utf-8"?>
-<?mso-contentType ?>
-<FormTemplates xmlns="http://schemas.microsoft.com/sharepoint/v3/contenttype/forms">
-  <Display>DocumentLibraryForm</Display>
-  <Edit>AssetEditForm</Edit>
-  <New>DocumentLibraryForm</New>
-</FormTemplates>
+<file path=customXml/itemProps1.xml><?xml version="1.0" encoding="utf-8"?>
+<ds:datastoreItem xmlns:ds="http://schemas.openxmlformats.org/officeDocument/2006/customXml" ds:itemID="{4ED80E12-3BE9-4746-820E-FFB249F467F2}">
+  <ds:schemaRefs>
+    <ds:schemaRef ds:uri="http://schemas.microsoft.com/office/2006/documentManagement/types"/>
+    <ds:schemaRef ds:uri="http://purl.org/dc/elements/1.1/"/>
+    <ds:schemaRef ds:uri="http://schemas.microsoft.com/office/2006/metadata/properties"/>
+    <ds:schemaRef ds:uri="4873beb7-5857-4685-be1f-d57550cc96cc"/>
+    <ds:schemaRef ds:uri="http://schemas.openxmlformats.org/package/2006/metadata/core-properties"/>
+    <ds:schemaRef ds:uri="http://purl.org/dc/terms/"/>
+    <ds:schemaRef ds:uri="http://schemas.microsoft.com/office/infopath/2007/PartnerControls"/>
+    <ds:schemaRef ds:uri="http://www.w3.org/XML/1998/namespace"/>
+    <ds:schemaRef ds:uri="http://purl.org/dc/dcmitype/"/>
+  </ds:schemaRefs>
+</ds:datastoreItem>
 </file>
 
-<file path=customXml/item3.xml><?xml version="1.0" encoding="utf-8"?>
-<p:properties xmlns:p="http://schemas.microsoft.com/office/2006/metadata/properties" xmlns:xsi="http://www.w3.org/2001/XMLSchema-instance" xmlns:pc="http://schemas.microsoft.com/office/infopath/2007/PartnerControls">
-  <documentManagement>
-    <DirectSourceMarket xmlns="4873beb7-5857-4685-be1f-d57550cc96cc" xsi:nil="true"/>
-    <ApprovalStatus xmlns="4873beb7-5857-4685-be1f-d57550cc96cc">InProgress</ApprovalStatus>
-    <MarketSpecific xmlns="4873beb7-5857-4685-be1f-d57550cc96cc">false</MarketSpecific>
-    <LocComments xmlns="4873beb7-5857-4685-be1f-d57550cc96cc" xsi:nil="true"/>
-    <ThumbnailAssetId xmlns="4873beb7-5857-4685-be1f-d57550cc96cc" xsi:nil="true"/>
-    <PrimaryImageGen xmlns="4873beb7-5857-4685-be1f-d57550cc96cc">false</PrimaryImageGen>
-    <LegacyData xmlns="4873beb7-5857-4685-be1f-d57550cc96cc" xsi:nil="true"/>
-    <LocRecommendedHandoff xmlns="4873beb7-5857-4685-be1f-d57550cc96cc" xsi:nil="true"/>
-    <BusinessGroup xmlns="4873beb7-5857-4685-be1f-d57550cc96cc" xsi:nil="true"/>
-    <BlockPublish xmlns="4873beb7-5857-4685-be1f-d57550cc96cc">false</BlockPublish>
-    <TPFriendlyName xmlns="4873beb7-5857-4685-be1f-d57550cc96cc" xsi:nil="true"/>
-    <NumericId xmlns="4873beb7-5857-4685-be1f-d57550cc96cc" xsi:nil="true"/>
-    <APEditor xmlns="4873beb7-5857-4685-be1f-d57550cc96cc">
-      <UserInfo>
-        <DisplayName/>
-        <AccountId xsi:nil="true"/>
-        <AccountType/>
-      </UserInfo>
-    </APEditor>
-    <SourceTitle xmlns="4873beb7-5857-4685-be1f-d57550cc96cc" xsi:nil="true"/>
-    <OpenTemplate xmlns="4873beb7-5857-4685-be1f-d57550cc96cc">true</OpenTemplate>
-    <UALocComments xmlns="4873beb7-5857-4685-be1f-d57550cc96cc" xsi:nil="true"/>
-    <ParentAssetId xmlns="4873beb7-5857-4685-be1f-d57550cc96cc" xsi:nil="true"/>
-    <IntlLangReviewDate xmlns="4873beb7-5857-4685-be1f-d57550cc96cc" xsi:nil="true"/>
-    <FeatureTagsTaxHTField0 xmlns="4873beb7-5857-4685-be1f-d57550cc96cc">
-      <Terms xmlns="http://schemas.microsoft.com/office/infopath/2007/PartnerControls"/>
-    </FeatureTagsTaxHTField0>
-    <PublishStatusLookup xmlns="4873beb7-5857-4685-be1f-d57550cc96cc">
-      <Value>1360476</Value>
-    </PublishStatusLookup>
-    <Providers xmlns="4873beb7-5857-4685-be1f-d57550cc96cc" xsi:nil="true"/>
-    <MachineTranslated xmlns="4873beb7-5857-4685-be1f-d57550cc96cc">false</MachineTranslated>
-    <OriginalSourceMarket xmlns="4873beb7-5857-4685-be1f-d57550cc96cc" xsi:nil="true"/>
-    <APDescription xmlns="4873beb7-5857-4685-be1f-d57550cc96cc" xsi:nil="true"/>
-    <ClipArtFilename xmlns="4873beb7-5857-4685-be1f-d57550cc96cc" xsi:nil="true"/>
-    <ContentItem xmlns="4873beb7-5857-4685-be1f-d57550cc96cc" xsi:nil="true"/>
-    <TPInstallLocation xmlns="4873beb7-5857-4685-be1f-d57550cc96cc" xsi:nil="true"/>
-    <PublishTargets xmlns="4873beb7-5857-4685-be1f-d57550cc96cc">OfficeOnlineVNext</PublishTargets>
-    <TimesCloned xmlns="4873beb7-5857-4685-be1f-d57550cc96cc" xsi:nil="true"/>
-    <AssetStart xmlns="4873beb7-5857-4685-be1f-d57550cc96cc">2011-12-12T13:37:00+00:00</AssetStart>
-    <Provider xmlns="4873beb7-5857-4685-be1f-d57550cc96cc" xsi:nil="true"/>
-    <AcquiredFrom xmlns="4873beb7-5857-4685-be1f-d57550cc96cc">Internal MS</AcquiredFrom>
-    <FriendlyTitle xmlns="4873beb7-5857-4685-be1f-d57550cc96cc" xsi:nil="true"/>
-    <LastHandOff xmlns="4873beb7-5857-4685-be1f-d57550cc96cc" xsi:nil="true"/>
-    <TPClientViewer xmlns="4873beb7-5857-4685-be1f-d57550cc96cc" xsi:nil="true"/>
-    <UACurrentWords xmlns="4873beb7-5857-4685-be1f-d57550cc96cc" xsi:nil="true"/>
-    <ArtSampleDocs xmlns="4873beb7-5857-4685-be1f-d57550cc96cc" xsi:nil="true"/>
-    <UALocRecommendation xmlns="4873beb7-5857-4685-be1f-d57550cc96cc">Localize</UALocRecommendation>
-    <Manager xmlns="4873beb7-5857-4685-be1f-d57550cc96cc" xsi:nil="true"/>
-    <ShowIn xmlns="4873beb7-5857-4685-be1f-d57550cc96cc">Show everywhere</ShowIn>
-    <UANotes xmlns="4873beb7-5857-4685-be1f-d57550cc96cc" xsi:nil="true"/>
-    <TemplateStatus xmlns="4873beb7-5857-4685-be1f-d57550cc96cc">Complete</TemplateStatus>
-    <InternalTagsTaxHTField0 xmlns="4873beb7-5857-4685-be1f-d57550cc96cc">
-      <Terms xmlns="http://schemas.microsoft.com/office/infopath/2007/PartnerControls"/>
-    </InternalTagsTaxHTField0>
-    <CSXHash xmlns="4873beb7-5857-4685-be1f-d57550cc96cc" xsi:nil="true"/>
-    <Downloads xmlns="4873beb7-5857-4685-be1f-d57550cc96cc">0</Downloads>
-    <VoteCount xmlns="4873beb7-5857-4685-be1f-d57550cc96cc" xsi:nil="true"/>
-    <OOCacheId xmlns="4873beb7-5857-4685-be1f-d57550cc96cc" xsi:nil="true"/>
-    <IsDeleted xmlns="4873beb7-5857-4685-be1f-d57550cc96cc">false</IsDeleted>
-    <AssetExpire xmlns="4873beb7-5857-4685-be1f-d57550cc96cc">2035-01-01T08:00:00+00:00</AssetExpire>
-    <DSATActionTaken xmlns="4873beb7-5857-4685-be1f-d57550cc96cc" xsi:nil="true"/>
-    <CSXSubmissionMarket xmlns="4873beb7-5857-4685-be1f-d57550cc96cc" xsi:nil="true"/>
-    <TPExecutable xmlns="4873beb7-5857-4685-be1f-d57550cc96cc" xsi:nil="true"/>
-    <SubmitterId xmlns="4873beb7-5857-4685-be1f-d57550cc96cc" xsi:nil="true"/>
-    <EditorialTags xmlns="4873beb7-5857-4685-be1f-d57550cc96cc" xsi:nil="true"/>
-    <ApprovalLog xmlns="4873beb7-5857-4685-be1f-d57550cc96cc" xsi:nil="true"/>
-    <AssetType xmlns="4873beb7-5857-4685-be1f-d57550cc96cc">TP</AssetType>
-    <BugNumber xmlns="4873beb7-5857-4685-be1f-d57550cc96cc" xsi:nil="true"/>
-    <CSXSubmissionDate xmlns="4873beb7-5857-4685-be1f-d57550cc96cc" xsi:nil="true"/>
-    <CSXUpdate xmlns="4873beb7-5857-4685-be1f-d57550cc96cc">false</CSXUpdate>
-    <Milestone xmlns="4873beb7-5857-4685-be1f-d57550cc96cc" xsi:nil="true"/>
-    <RecommendationsModifier xmlns="4873beb7-5857-4685-be1f-d57550cc96cc" xsi:nil="true"/>
-    <OriginAsset xmlns="4873beb7-5857-4685-be1f-d57550cc96cc" xsi:nil="true"/>
-    <TPComponent xmlns="4873beb7-5857-4685-be1f-d57550cc96cc" xsi:nil="true"/>
-    <AssetId xmlns="4873beb7-5857-4685-be1f-d57550cc96cc">TP102801058</AssetId>
-    <IntlLocPriority xmlns="4873beb7-5857-4685-be1f-d57550cc96cc" xsi:nil="true"/>
-    <PolicheckWords xmlns="4873beb7-5857-4685-be1f-d57550cc96cc" xsi:nil="true"/>
-    <TPLaunchHelpLink xmlns="4873beb7-5857-4685-be1f-d57550cc96cc" xsi:nil="true"/>
-    <TPApplication xmlns="4873beb7-5857-4685-be1f-d57550cc96cc" xsi:nil="true"/>
-    <CrawlForDependencies xmlns="4873beb7-5857-4685-be1f-d57550cc96cc">false</CrawlForDependencies>
-    <HandoffToMSDN xmlns="4873beb7-5857-4685-be1f-d57550cc96cc" xsi:nil="true"/>
-    <PlannedPubDate xmlns="4873beb7-5857-4685-be1f-d57550cc96cc" xsi:nil="true"/>
-    <IntlLangReviewer xmlns="4873beb7-5857-4685-be1f-d57550cc96cc" xsi:nil="true"/>
-    <TrustLevel xmlns="4873beb7-5857-4685-be1f-d57550cc96cc">1 Microsoft Managed Content</TrustLevel>
-    <LocLastLocAttemptVersionLookup xmlns="4873beb7-5857-4685-be1f-d57550cc96cc">706496</LocLastLocAttemptVersionLookup>
-    <IsSearchable xmlns="4873beb7-5857-4685-be1f-d57550cc96cc">true</IsSearchable>
-    <TemplateTemplateType xmlns="4873beb7-5857-4685-be1f-d57550cc96cc">PowerPoint Presentation Template</TemplateTemplateType>
-    <CampaignTagsTaxHTField0 xmlns="4873beb7-5857-4685-be1f-d57550cc96cc">
-      <Terms xmlns="http://schemas.microsoft.com/office/infopath/2007/PartnerControls"/>
-    </CampaignTagsTaxHTField0>
-    <TPNamespace xmlns="4873beb7-5857-4685-be1f-d57550cc96cc" xsi:nil="true"/>
-    <TaxCatchAll xmlns="4873beb7-5857-4685-be1f-d57550cc96cc"/>
-    <Markets xmlns="4873beb7-5857-4685-be1f-d57550cc96cc"/>
-    <UAProjectedTotalWords xmlns="4873beb7-5857-4685-be1f-d57550cc96cc" xsi:nil="true"/>
-    <IntlLangReview xmlns="4873beb7-5857-4685-be1f-d57550cc96cc">false</IntlLangReview>
-    <OutputCachingOn xmlns="4873beb7-5857-4685-be1f-d57550cc96cc">false</OutputCachingOn>
-    <AverageRating xmlns="4873beb7-5857-4685-be1f-d57550cc96cc" xsi:nil="true"/>
-    <APAuthor xmlns="4873beb7-5857-4685-be1f-d57550cc96cc">
-      <UserInfo>
-        <DisplayName>REDMOND\v-soujap</DisplayName>
-        <AccountId>1954</AccountId>
-        <AccountType/>
-      </UserInfo>
-    </APAuthor>
-    <LocManualTestRequired xmlns="4873beb7-5857-4685-be1f-d57550cc96cc">false</LocManualTestRequired>
-    <TPCommandLine xmlns="4873beb7-5857-4685-be1f-d57550cc96cc" xsi:nil="true"/>
-    <TPAppVersion xmlns="4873beb7-5857-4685-be1f-d57550cc96cc" xsi:nil="true"/>
-    <EditorialStatus xmlns="4873beb7-5857-4685-be1f-d57550cc96cc">Complete</EditorialStatus>
-    <LastModifiedDateTime xmlns="4873beb7-5857-4685-be1f-d57550cc96cc" xsi:nil="true"/>
-    <ScenarioTagsTaxHTField0 xmlns="4873beb7-5857-4685-be1f-d57550cc96cc">
-      <Terms xmlns="http://schemas.microsoft.com/office/infopath/2007/PartnerControls"/>
-    </ScenarioTagsTaxHTField0>
-    <OriginalRelease xmlns="4873beb7-5857-4685-be1f-d57550cc96cc">14</OriginalRelease>
-    <TPLaunchHelpLinkType xmlns="4873beb7-5857-4685-be1f-d57550cc96cc">Template</TPLaunchHelpLinkType>
-    <LocalizationTagsTaxHTField0 xmlns="4873beb7-5857-4685-be1f-d57550cc96cc">
-      <Terms xmlns="http://schemas.microsoft.com/office/infopath/2007/PartnerControls"/>
-    </LocalizationTagsTaxHTField0>
-    <LocMarketGroupTiers2 xmlns="4873beb7-5857-4685-be1f-d57550cc96cc" xsi:nil="true"/>
-  </documentManagement>
-</p:properties>
+<file path=customXml/itemProps2.xml><?xml version="1.0" encoding="utf-8"?>
+<ds:datastoreItem xmlns:ds="http://schemas.openxmlformats.org/officeDocument/2006/customXml" ds:itemID="{8D003AC8-209A-4321-A17C-1B7A20643390}">
+  <ds:schemaRefs>
+    <ds:schemaRef ds:uri="http://schemas.microsoft.com/sharepoint/v3/contenttype/forms"/>
+  </ds:schemaRefs>
+</ds:datastoreItem>
 </file>
 
-<file path=customXml/itemProps1.xml><?xml version="1.0" encoding="utf-8"?>
+<file path=customXml/itemProps3.xml><?xml version="1.0" encoding="utf-8"?>
 <ds:datastoreItem xmlns:ds="http://schemas.openxmlformats.org/officeDocument/2006/customXml" ds:itemID="{83ED4759-CFDD-43F0-817C-11D9197192BA}">
   <ds:schemaRefs>
     <ds:schemaRef ds:uri="http://schemas.microsoft.com/office/2006/metadata/contentType"/>
@@ -10157,28 +10204,4 @@
     <ds:schemaRef ds:uri="http://schemas.microsoft.com/internal/obd"/>
   </ds:schemaRefs>
 </ds:datastoreItem>
-</file>
-
-<file path=customXml/itemProps2.xml><?xml version="1.0" encoding="utf-8"?>
-<ds:datastoreItem xmlns:ds="http://schemas.openxmlformats.org/officeDocument/2006/customXml" ds:itemID="{8D003AC8-209A-4321-A17C-1B7A20643390}">
-  <ds:schemaRefs>
-    <ds:schemaRef ds:uri="http://schemas.microsoft.com/sharepoint/v3/contenttype/forms"/>
-  </ds:schemaRefs>
-</ds:datastoreItem>
-</file>
-
-<file path=customXml/itemProps3.xml><?xml version="1.0" encoding="utf-8"?>
-<ds:datastoreItem xmlns:ds="http://schemas.openxmlformats.org/officeDocument/2006/customXml" ds:itemID="{4ED80E12-3BE9-4746-820E-FFB249F467F2}">
-  <ds:schemaRefs>
-    <ds:schemaRef ds:uri="http://schemas.microsoft.com/office/2006/documentManagement/types"/>
-    <ds:schemaRef ds:uri="http://purl.org/dc/elements/1.1/"/>
-    <ds:schemaRef ds:uri="http://schemas.microsoft.com/office/2006/metadata/properties"/>
-    <ds:schemaRef ds:uri="4873beb7-5857-4685-be1f-d57550cc96cc"/>
-    <ds:schemaRef ds:uri="http://schemas.openxmlformats.org/package/2006/metadata/core-properties"/>
-    <ds:schemaRef ds:uri="http://purl.org/dc/terms/"/>
-    <ds:schemaRef ds:uri="http://schemas.microsoft.com/office/infopath/2007/PartnerControls"/>
-    <ds:schemaRef ds:uri="http://www.w3.org/XML/1998/namespace"/>
-    <ds:schemaRef ds:uri="http://purl.org/dc/dcmitype/"/>
-  </ds:schemaRefs>
-</ds:datastoreItem>
 </file>